--- a/acilis_sunumu.pptx
+++ b/acilis_sunumu.pptx
@@ -132,6 +132,30 @@
 
 <file path=ppt/changesInfos/changesInfo1.xml><?xml version="1.0" encoding="utf-8"?>
 <pc:chgInfo xmlns:a="http://schemas.openxmlformats.org/drawingml/2006/main" xmlns:r="http://schemas.openxmlformats.org/officeDocument/2006/relationships" xmlns:ac="http://schemas.microsoft.com/office/drawing/2013/main/command" xmlns:pc="http://schemas.microsoft.com/office/powerpoint/2013/main/command">
+  <pc:docChgLst>
+    <pc:chgData name="Erkan ŞİRİN" userId="7f10ce1d6aaf8c5d" providerId="LiveId" clId="{1BFD029C-DFCC-425B-8851-621E66778794}"/>
+    <pc:docChg chg="modSld">
+      <pc:chgData name="Erkan ŞİRİN" userId="7f10ce1d6aaf8c5d" providerId="LiveId" clId="{1BFD029C-DFCC-425B-8851-621E66778794}" dt="2019-05-24T12:59:49.664" v="6" actId="20577"/>
+      <pc:docMkLst>
+        <pc:docMk/>
+      </pc:docMkLst>
+      <pc:sldChg chg="modSp">
+        <pc:chgData name="Erkan ŞİRİN" userId="7f10ce1d6aaf8c5d" providerId="LiveId" clId="{1BFD029C-DFCC-425B-8851-621E66778794}" dt="2019-05-24T12:59:49.664" v="6" actId="20577"/>
+        <pc:sldMkLst>
+          <pc:docMk/>
+          <pc:sldMk cId="2360627406" sldId="334"/>
+        </pc:sldMkLst>
+        <pc:graphicFrameChg chg="modGraphic">
+          <ac:chgData name="Erkan ŞİRİN" userId="7f10ce1d6aaf8c5d" providerId="LiveId" clId="{1BFD029C-DFCC-425B-8851-621E66778794}" dt="2019-05-24T12:59:49.664" v="6" actId="20577"/>
+          <ac:graphicFrameMkLst>
+            <pc:docMk/>
+            <pc:sldMk cId="2360627406" sldId="334"/>
+            <ac:graphicFrameMk id="2" creationId="{F7A6A035-4F9C-4E8A-9478-6E1DEF5AFA0B}"/>
+          </ac:graphicFrameMkLst>
+        </pc:graphicFrameChg>
+      </pc:sldChg>
+    </pc:docChg>
+  </pc:docChgLst>
   <pc:docChgLst>
     <pc:chgData name="Erkan ŞİRİN" userId="7f10ce1d6aaf8c5d" providerId="LiveId" clId="{9B0FE44A-60BF-4ED3-A9BD-90942CEEE884}"/>
     <pc:docChg chg="custSel modSld">
@@ -331,13 +355,6 @@
           </ac:spMkLst>
         </pc:spChg>
       </pc:sldChg>
-      <pc:sldChg chg="del">
-        <pc:chgData name="Erkan ŞİRİN" userId="7f10ce1d6aaf8c5d" providerId="LiveId" clId="{8A07AB2F-FA98-4AB7-A034-4EBBDB3F8537}" dt="2019-05-14T01:02:12.856" v="99" actId="2696"/>
-        <pc:sldMkLst>
-          <pc:docMk/>
-          <pc:sldMk cId="13828811" sldId="332"/>
-        </pc:sldMkLst>
-      </pc:sldChg>
       <pc:sldChg chg="addSp delSp modSp add delAnim">
         <pc:chgData name="Erkan ŞİRİN" userId="7f10ce1d6aaf8c5d" providerId="LiveId" clId="{8A07AB2F-FA98-4AB7-A034-4EBBDB3F8537}" dt="2019-05-15T18:05:55.258" v="754" actId="478"/>
         <pc:sldMkLst>
@@ -583,7 +600,7 @@
           <a:p>
             <a:fld id="{BAB971F1-0A24-473E-8A66-D77E329B588E}" type="datetimeFigureOut">
               <a:rPr lang="tr-TR" smtClean="0"/>
-              <a:t>15.05.2019</a:t>
+              <a:t>24.05.2019</a:t>
             </a:fld>
             <a:endParaRPr lang="tr-TR"/>
           </a:p>
@@ -781,7 +798,7 @@
           <a:p>
             <a:fld id="{BAB971F1-0A24-473E-8A66-D77E329B588E}" type="datetimeFigureOut">
               <a:rPr lang="tr-TR" smtClean="0"/>
-              <a:t>15.05.2019</a:t>
+              <a:t>24.05.2019</a:t>
             </a:fld>
             <a:endParaRPr lang="tr-TR"/>
           </a:p>
@@ -989,7 +1006,7 @@
           <a:p>
             <a:fld id="{BAB971F1-0A24-473E-8A66-D77E329B588E}" type="datetimeFigureOut">
               <a:rPr lang="tr-TR" smtClean="0"/>
-              <a:t>15.05.2019</a:t>
+              <a:t>24.05.2019</a:t>
             </a:fld>
             <a:endParaRPr lang="tr-TR"/>
           </a:p>
@@ -1187,7 +1204,7 @@
           <a:p>
             <a:fld id="{BAB971F1-0A24-473E-8A66-D77E329B588E}" type="datetimeFigureOut">
               <a:rPr lang="tr-TR" smtClean="0"/>
-              <a:t>15.05.2019</a:t>
+              <a:t>24.05.2019</a:t>
             </a:fld>
             <a:endParaRPr lang="tr-TR"/>
           </a:p>
@@ -1462,7 +1479,7 @@
           <a:p>
             <a:fld id="{BAB971F1-0A24-473E-8A66-D77E329B588E}" type="datetimeFigureOut">
               <a:rPr lang="tr-TR" smtClean="0"/>
-              <a:t>15.05.2019</a:t>
+              <a:t>24.05.2019</a:t>
             </a:fld>
             <a:endParaRPr lang="tr-TR"/>
           </a:p>
@@ -1727,7 +1744,7 @@
           <a:p>
             <a:fld id="{BAB971F1-0A24-473E-8A66-D77E329B588E}" type="datetimeFigureOut">
               <a:rPr lang="tr-TR" smtClean="0"/>
-              <a:t>15.05.2019</a:t>
+              <a:t>24.05.2019</a:t>
             </a:fld>
             <a:endParaRPr lang="tr-TR"/>
           </a:p>
@@ -2139,7 +2156,7 @@
           <a:p>
             <a:fld id="{BAB971F1-0A24-473E-8A66-D77E329B588E}" type="datetimeFigureOut">
               <a:rPr lang="tr-TR" smtClean="0"/>
-              <a:t>15.05.2019</a:t>
+              <a:t>24.05.2019</a:t>
             </a:fld>
             <a:endParaRPr lang="tr-TR"/>
           </a:p>
@@ -2280,7 +2297,7 @@
           <a:p>
             <a:fld id="{BAB971F1-0A24-473E-8A66-D77E329B588E}" type="datetimeFigureOut">
               <a:rPr lang="tr-TR" smtClean="0"/>
-              <a:t>15.05.2019</a:t>
+              <a:t>24.05.2019</a:t>
             </a:fld>
             <a:endParaRPr lang="tr-TR"/>
           </a:p>
@@ -2393,7 +2410,7 @@
           <a:p>
             <a:fld id="{BAB971F1-0A24-473E-8A66-D77E329B588E}" type="datetimeFigureOut">
               <a:rPr lang="tr-TR" smtClean="0"/>
-              <a:t>15.05.2019</a:t>
+              <a:t>24.05.2019</a:t>
             </a:fld>
             <a:endParaRPr lang="tr-TR"/>
           </a:p>
@@ -2704,7 +2721,7 @@
           <a:p>
             <a:fld id="{BAB971F1-0A24-473E-8A66-D77E329B588E}" type="datetimeFigureOut">
               <a:rPr lang="tr-TR" smtClean="0"/>
-              <a:t>15.05.2019</a:t>
+              <a:t>24.05.2019</a:t>
             </a:fld>
             <a:endParaRPr lang="tr-TR"/>
           </a:p>
@@ -2992,7 +3009,7 @@
           <a:p>
             <a:fld id="{BAB971F1-0A24-473E-8A66-D77E329B588E}" type="datetimeFigureOut">
               <a:rPr lang="tr-TR" smtClean="0"/>
-              <a:t>15.05.2019</a:t>
+              <a:t>24.05.2019</a:t>
             </a:fld>
             <a:endParaRPr lang="tr-TR"/>
           </a:p>
@@ -3233,7 +3250,7 @@
           <a:p>
             <a:fld id="{BAB971F1-0A24-473E-8A66-D77E329B588E}" type="datetimeFigureOut">
               <a:rPr lang="tr-TR" smtClean="0"/>
-              <a:t>15.05.2019</a:t>
+              <a:t>24.05.2019</a:t>
             </a:fld>
             <a:endParaRPr lang="tr-TR"/>
           </a:p>
@@ -6550,7 +6567,7 @@
           <p:nvPr>
             <p:extLst>
               <p:ext uri="{D42A27DB-BD31-4B8C-83A1-F6EECF244321}">
-                <p14:modId xmlns:p14="http://schemas.microsoft.com/office/powerpoint/2010/main" val="2674364937"/>
+                <p14:modId xmlns:p14="http://schemas.microsoft.com/office/powerpoint/2010/main" val="1723578338"/>
               </p:ext>
             </p:extLst>
           </p:nvPr>
@@ -7424,12 +7441,12 @@
                         </a:spcAft>
                       </a:pPr>
                       <a:r>
-                        <a:rPr lang="tr-TR" sz="2000">
+                        <a:rPr lang="tr-TR" sz="2000" dirty="0">
                           <a:effectLst/>
                         </a:rPr>
                         <a:t>Machine Learning (Makine Öğrenmesi)</a:t>
                       </a:r>
-                      <a:endParaRPr lang="tr-TR" sz="2000">
+                      <a:endParaRPr lang="tr-TR" sz="2000" dirty="0">
                         <a:effectLst/>
                         <a:latin typeface="Calibri" panose="020F0502020204030204" pitchFamily="34" charset="0"/>
                         <a:ea typeface="Calibri" panose="020F0502020204030204" pitchFamily="34" charset="0"/>
@@ -7453,12 +7470,12 @@
                         </a:spcAft>
                       </a:pPr>
                       <a:r>
-                        <a:rPr lang="tr-TR" sz="2000">
+                        <a:rPr lang="tr-TR" sz="2000" dirty="0">
                           <a:effectLst/>
                         </a:rPr>
                         <a:t>3 GÜN</a:t>
                       </a:r>
-                      <a:endParaRPr lang="tr-TR" sz="2000">
+                      <a:endParaRPr lang="tr-TR" sz="2000" dirty="0">
                         <a:effectLst/>
                         <a:latin typeface="Calibri" panose="020F0502020204030204" pitchFamily="34" charset="0"/>
                         <a:ea typeface="Calibri" panose="020F0502020204030204" pitchFamily="34" charset="0"/>
@@ -7482,12 +7499,12 @@
                         </a:spcAft>
                       </a:pPr>
                       <a:r>
-                        <a:rPr lang="tr-TR" sz="2000">
-                          <a:effectLst/>
-                        </a:rPr>
-                        <a:t>02-04 Temmuz 2019</a:t>
-                      </a:r>
-                      <a:endParaRPr lang="tr-TR" sz="2000">
+                        <a:rPr lang="tr-TR" sz="2000" dirty="0">
+                          <a:effectLst/>
+                        </a:rPr>
+                        <a:t>02 ve 04 Temmuz 2019</a:t>
+                      </a:r>
+                      <a:endParaRPr lang="tr-TR" sz="2000" dirty="0">
                         <a:effectLst/>
                         <a:latin typeface="Calibri" panose="020F0502020204030204" pitchFamily="34" charset="0"/>
                         <a:ea typeface="Calibri" panose="020F0502020204030204" pitchFamily="34" charset="0"/>
@@ -7605,12 +7622,12 @@
                         </a:spcAft>
                       </a:pPr>
                       <a:r>
-                        <a:rPr lang="tr-TR" sz="2000">
-                          <a:effectLst/>
-                        </a:rPr>
-                        <a:t>09-10 Temmuz 2019</a:t>
-                      </a:r>
-                      <a:endParaRPr lang="tr-TR" sz="2000">
+                        <a:rPr lang="tr-TR" sz="2000" dirty="0">
+                          <a:effectLst/>
+                        </a:rPr>
+                        <a:t>09-11 Temmuz 2019</a:t>
+                      </a:r>
+                      <a:endParaRPr lang="tr-TR" sz="2000" dirty="0">
                         <a:effectLst/>
                         <a:latin typeface="Calibri" panose="020F0502020204030204" pitchFamily="34" charset="0"/>
                         <a:ea typeface="Calibri" panose="020F0502020204030204" pitchFamily="34" charset="0"/>
@@ -7728,10 +7745,10 @@
                         </a:spcAft>
                       </a:pPr>
                       <a:r>
-                        <a:rPr lang="tr-TR" sz="2000">
-                          <a:effectLst/>
-                        </a:rPr>
-                        <a:t>09-10 Temmuz 2019</a:t>
+                        <a:rPr lang="tr-TR" sz="2000" dirty="0">
+                          <a:effectLst/>
+                        </a:rPr>
+                        <a:t>09-11 Temmuz 2019</a:t>
                       </a:r>
                     </a:p>
                     <a:p>
@@ -7744,12 +7761,12 @@
                         </a:spcAft>
                       </a:pPr>
                       <a:r>
-                        <a:rPr lang="tr-TR" sz="2000">
+                        <a:rPr lang="tr-TR" sz="2000" dirty="0">
                           <a:effectLst/>
                         </a:rPr>
                         <a:t>16-17 Temmuz 2019</a:t>
                       </a:r>
-                      <a:endParaRPr lang="tr-TR" sz="2000">
+                      <a:endParaRPr lang="tr-TR" sz="2000" dirty="0">
                         <a:effectLst/>
                         <a:latin typeface="Calibri" panose="020F0502020204030204" pitchFamily="34" charset="0"/>
                         <a:ea typeface="Calibri" panose="020F0502020204030204" pitchFamily="34" charset="0"/>

--- a/acilis_sunumu.pptx
+++ b/acilis_sunumu.pptx
@@ -134,19 +134,42 @@
 <pc:chgInfo xmlns:a="http://schemas.openxmlformats.org/drawingml/2006/main" xmlns:r="http://schemas.openxmlformats.org/officeDocument/2006/relationships" xmlns:ac="http://schemas.microsoft.com/office/drawing/2013/main/command" xmlns:pc="http://schemas.microsoft.com/office/powerpoint/2013/main/command">
   <pc:docChgLst>
     <pc:chgData name="Erkan ŞİRİN" userId="7f10ce1d6aaf8c5d" providerId="LiveId" clId="{1BFD029C-DFCC-425B-8851-621E66778794}"/>
-    <pc:docChg chg="modSld">
-      <pc:chgData name="Erkan ŞİRİN" userId="7f10ce1d6aaf8c5d" providerId="LiveId" clId="{1BFD029C-DFCC-425B-8851-621E66778794}" dt="2019-05-24T12:59:49.664" v="6" actId="20577"/>
+    <pc:docChg chg="custSel modSld">
+      <pc:chgData name="Erkan ŞİRİN" userId="7f10ce1d6aaf8c5d" providerId="LiveId" clId="{1BFD029C-DFCC-425B-8851-621E66778794}" dt="2019-07-02T06:16:01.978" v="53" actId="20577"/>
       <pc:docMkLst>
         <pc:docMk/>
       </pc:docMkLst>
       <pc:sldChg chg="modSp">
-        <pc:chgData name="Erkan ŞİRİN" userId="7f10ce1d6aaf8c5d" providerId="LiveId" clId="{1BFD029C-DFCC-425B-8851-621E66778794}" dt="2019-05-24T12:59:49.664" v="6" actId="20577"/>
+        <pc:chgData name="Erkan ŞİRİN" userId="7f10ce1d6aaf8c5d" providerId="LiveId" clId="{1BFD029C-DFCC-425B-8851-621E66778794}" dt="2019-07-02T06:16:01.978" v="53" actId="20577"/>
+        <pc:sldMkLst>
+          <pc:docMk/>
+          <pc:sldMk cId="3627367780" sldId="328"/>
+        </pc:sldMkLst>
+        <pc:spChg chg="mod">
+          <ac:chgData name="Erkan ŞİRİN" userId="7f10ce1d6aaf8c5d" providerId="LiveId" clId="{1BFD029C-DFCC-425B-8851-621E66778794}" dt="2019-07-02T06:15:48.323" v="38" actId="20577"/>
+          <ac:spMkLst>
+            <pc:docMk/>
+            <pc:sldMk cId="3627367780" sldId="328"/>
+            <ac:spMk id="3" creationId="{2DC8A280-C738-452F-B627-12CB68E50CC1}"/>
+          </ac:spMkLst>
+        </pc:spChg>
+        <pc:spChg chg="mod">
+          <ac:chgData name="Erkan ŞİRİN" userId="7f10ce1d6aaf8c5d" providerId="LiveId" clId="{1BFD029C-DFCC-425B-8851-621E66778794}" dt="2019-07-02T06:16:01.978" v="53" actId="20577"/>
+          <ac:spMkLst>
+            <pc:docMk/>
+            <pc:sldMk cId="3627367780" sldId="328"/>
+            <ac:spMk id="16" creationId="{00000000-0000-0000-0000-000000000000}"/>
+          </ac:spMkLst>
+        </pc:spChg>
+      </pc:sldChg>
+      <pc:sldChg chg="modSp">
+        <pc:chgData name="Erkan ŞİRİN" userId="7f10ce1d6aaf8c5d" providerId="LiveId" clId="{1BFD029C-DFCC-425B-8851-621E66778794}" dt="2019-07-02T06:15:07.802" v="33" actId="207"/>
         <pc:sldMkLst>
           <pc:docMk/>
           <pc:sldMk cId="2360627406" sldId="334"/>
         </pc:sldMkLst>
         <pc:graphicFrameChg chg="modGraphic">
-          <ac:chgData name="Erkan ŞİRİN" userId="7f10ce1d6aaf8c5d" providerId="LiveId" clId="{1BFD029C-DFCC-425B-8851-621E66778794}" dt="2019-05-24T12:59:49.664" v="6" actId="20577"/>
+          <ac:chgData name="Erkan ŞİRİN" userId="7f10ce1d6aaf8c5d" providerId="LiveId" clId="{1BFD029C-DFCC-425B-8851-621E66778794}" dt="2019-07-02T06:15:07.802" v="33" actId="207"/>
           <ac:graphicFrameMkLst>
             <pc:docMk/>
             <pc:sldMk cId="2360627406" sldId="334"/>
@@ -600,7 +623,7 @@
           <a:p>
             <a:fld id="{BAB971F1-0A24-473E-8A66-D77E329B588E}" type="datetimeFigureOut">
               <a:rPr lang="tr-TR" smtClean="0"/>
-              <a:t>24.05.2019</a:t>
+              <a:t>2.07.2019</a:t>
             </a:fld>
             <a:endParaRPr lang="tr-TR"/>
           </a:p>
@@ -798,7 +821,7 @@
           <a:p>
             <a:fld id="{BAB971F1-0A24-473E-8A66-D77E329B588E}" type="datetimeFigureOut">
               <a:rPr lang="tr-TR" smtClean="0"/>
-              <a:t>24.05.2019</a:t>
+              <a:t>2.07.2019</a:t>
             </a:fld>
             <a:endParaRPr lang="tr-TR"/>
           </a:p>
@@ -1006,7 +1029,7 @@
           <a:p>
             <a:fld id="{BAB971F1-0A24-473E-8A66-D77E329B588E}" type="datetimeFigureOut">
               <a:rPr lang="tr-TR" smtClean="0"/>
-              <a:t>24.05.2019</a:t>
+              <a:t>2.07.2019</a:t>
             </a:fld>
             <a:endParaRPr lang="tr-TR"/>
           </a:p>
@@ -1204,7 +1227,7 @@
           <a:p>
             <a:fld id="{BAB971F1-0A24-473E-8A66-D77E329B588E}" type="datetimeFigureOut">
               <a:rPr lang="tr-TR" smtClean="0"/>
-              <a:t>24.05.2019</a:t>
+              <a:t>2.07.2019</a:t>
             </a:fld>
             <a:endParaRPr lang="tr-TR"/>
           </a:p>
@@ -1479,7 +1502,7 @@
           <a:p>
             <a:fld id="{BAB971F1-0A24-473E-8A66-D77E329B588E}" type="datetimeFigureOut">
               <a:rPr lang="tr-TR" smtClean="0"/>
-              <a:t>24.05.2019</a:t>
+              <a:t>2.07.2019</a:t>
             </a:fld>
             <a:endParaRPr lang="tr-TR"/>
           </a:p>
@@ -1744,7 +1767,7 @@
           <a:p>
             <a:fld id="{BAB971F1-0A24-473E-8A66-D77E329B588E}" type="datetimeFigureOut">
               <a:rPr lang="tr-TR" smtClean="0"/>
-              <a:t>24.05.2019</a:t>
+              <a:t>2.07.2019</a:t>
             </a:fld>
             <a:endParaRPr lang="tr-TR"/>
           </a:p>
@@ -2156,7 +2179,7 @@
           <a:p>
             <a:fld id="{BAB971F1-0A24-473E-8A66-D77E329B588E}" type="datetimeFigureOut">
               <a:rPr lang="tr-TR" smtClean="0"/>
-              <a:t>24.05.2019</a:t>
+              <a:t>2.07.2019</a:t>
             </a:fld>
             <a:endParaRPr lang="tr-TR"/>
           </a:p>
@@ -2297,7 +2320,7 @@
           <a:p>
             <a:fld id="{BAB971F1-0A24-473E-8A66-D77E329B588E}" type="datetimeFigureOut">
               <a:rPr lang="tr-TR" smtClean="0"/>
-              <a:t>24.05.2019</a:t>
+              <a:t>2.07.2019</a:t>
             </a:fld>
             <a:endParaRPr lang="tr-TR"/>
           </a:p>
@@ -2410,7 +2433,7 @@
           <a:p>
             <a:fld id="{BAB971F1-0A24-473E-8A66-D77E329B588E}" type="datetimeFigureOut">
               <a:rPr lang="tr-TR" smtClean="0"/>
-              <a:t>24.05.2019</a:t>
+              <a:t>2.07.2019</a:t>
             </a:fld>
             <a:endParaRPr lang="tr-TR"/>
           </a:p>
@@ -2721,7 +2744,7 @@
           <a:p>
             <a:fld id="{BAB971F1-0A24-473E-8A66-D77E329B588E}" type="datetimeFigureOut">
               <a:rPr lang="tr-TR" smtClean="0"/>
-              <a:t>24.05.2019</a:t>
+              <a:t>2.07.2019</a:t>
             </a:fld>
             <a:endParaRPr lang="tr-TR"/>
           </a:p>
@@ -3009,7 +3032,7 @@
           <a:p>
             <a:fld id="{BAB971F1-0A24-473E-8A66-D77E329B588E}" type="datetimeFigureOut">
               <a:rPr lang="tr-TR" smtClean="0"/>
-              <a:t>24.05.2019</a:t>
+              <a:t>2.07.2019</a:t>
             </a:fld>
             <a:endParaRPr lang="tr-TR"/>
           </a:p>
@@ -3250,7 +3273,7 @@
           <a:p>
             <a:fld id="{BAB971F1-0A24-473E-8A66-D77E329B588E}" type="datetimeFigureOut">
               <a:rPr lang="tr-TR" smtClean="0"/>
-              <a:t>24.05.2019</a:t>
+              <a:t>2.07.2019</a:t>
             </a:fld>
             <a:endParaRPr lang="tr-TR"/>
           </a:p>
@@ -4281,7 +4304,7 @@
                 <a:ea typeface="+mn-ea"/>
                 <a:cs typeface="+mn-cs"/>
               </a:rPr>
-              <a:t>İdari Konular</a:t>
+              <a:t>Zaman Çizelgesi</a:t>
             </a:r>
             <a:endParaRPr lang="en-US" sz="4000" b="1" dirty="0">
               <a:solidFill>
@@ -4332,7 +4355,7 @@
               <a:rPr lang="tr-TR" sz="3200" dirty="0">
                 <a:latin typeface="Roboto"/>
               </a:rPr>
-              <a:t>Öğleden Önce	: 09:00 – 12:30</a:t>
+              <a:t>Öğleden Önce	: 09:30 – 12:30</a:t>
             </a:r>
           </a:p>
           <a:p>
@@ -4360,7 +4383,7 @@
               <a:rPr lang="tr-TR" sz="3200" dirty="0">
                 <a:latin typeface="Roboto"/>
               </a:rPr>
-              <a:t>Öğleden Sonra	: 14:00 – 16:30</a:t>
+              <a:t>Öğleden Sonra	: 14:00 – 17:00</a:t>
             </a:r>
           </a:p>
         </p:txBody>
@@ -6567,7 +6590,7 @@
           <p:nvPr>
             <p:extLst>
               <p:ext uri="{D42A27DB-BD31-4B8C-83A1-F6EECF244321}">
-                <p14:modId xmlns:p14="http://schemas.microsoft.com/office/powerpoint/2010/main" val="1723578338"/>
+                <p14:modId xmlns:p14="http://schemas.microsoft.com/office/powerpoint/2010/main" val="2911641826"/>
               </p:ext>
             </p:extLst>
           </p:nvPr>
@@ -6751,11 +6774,21 @@
                       </a:pPr>
                       <a:r>
                         <a:rPr lang="tr-TR" sz="2000" dirty="0">
+                          <a:solidFill>
+                            <a:schemeClr val="bg1">
+                              <a:lumMod val="75000"/>
+                            </a:schemeClr>
+                          </a:solidFill>
                           <a:effectLst/>
                         </a:rPr>
                         <a:t>1.</a:t>
                       </a:r>
                       <a:endParaRPr lang="tr-TR" sz="2000" dirty="0">
+                        <a:solidFill>
+                          <a:schemeClr val="bg1">
+                            <a:lumMod val="75000"/>
+                          </a:schemeClr>
+                        </a:solidFill>
                         <a:effectLst/>
                         <a:latin typeface="Calibri" panose="020F0502020204030204" pitchFamily="34" charset="0"/>
                         <a:ea typeface="Calibri" panose="020F0502020204030204" pitchFamily="34" charset="0"/>
@@ -6780,11 +6813,21 @@
                       </a:pPr>
                       <a:r>
                         <a:rPr lang="tr-TR" sz="2000" dirty="0">
+                          <a:solidFill>
+                            <a:schemeClr val="bg1">
+                              <a:lumMod val="75000"/>
+                            </a:schemeClr>
+                          </a:solidFill>
                           <a:effectLst/>
                         </a:rPr>
                         <a:t>Python Temel</a:t>
                       </a:r>
                       <a:endParaRPr lang="tr-TR" sz="2000" dirty="0">
+                        <a:solidFill>
+                          <a:schemeClr val="bg1">
+                            <a:lumMod val="75000"/>
+                          </a:schemeClr>
+                        </a:solidFill>
                         <a:effectLst/>
                         <a:latin typeface="Calibri" panose="020F0502020204030204" pitchFamily="34" charset="0"/>
                         <a:ea typeface="Calibri" panose="020F0502020204030204" pitchFamily="34" charset="0"/>
@@ -6809,11 +6852,21 @@
                       </a:pPr>
                       <a:r>
                         <a:rPr lang="tr-TR" sz="2000" dirty="0">
+                          <a:solidFill>
+                            <a:schemeClr val="bg1">
+                              <a:lumMod val="75000"/>
+                            </a:schemeClr>
+                          </a:solidFill>
                           <a:effectLst/>
                         </a:rPr>
                         <a:t>1 GÜN</a:t>
                       </a:r>
                       <a:endParaRPr lang="tr-TR" sz="2000" dirty="0">
+                        <a:solidFill>
+                          <a:schemeClr val="bg1">
+                            <a:lumMod val="75000"/>
+                          </a:schemeClr>
+                        </a:solidFill>
                         <a:effectLst/>
                         <a:latin typeface="Calibri" panose="020F0502020204030204" pitchFamily="34" charset="0"/>
                         <a:ea typeface="Calibri" panose="020F0502020204030204" pitchFamily="34" charset="0"/>
@@ -6838,11 +6891,21 @@
                       </a:pPr>
                       <a:r>
                         <a:rPr lang="tr-TR" sz="2000">
+                          <a:solidFill>
+                            <a:schemeClr val="bg1">
+                              <a:lumMod val="75000"/>
+                            </a:schemeClr>
+                          </a:solidFill>
                           <a:effectLst/>
                         </a:rPr>
                         <a:t>15-16 Mayıs 2019</a:t>
                       </a:r>
                       <a:endParaRPr lang="tr-TR" sz="2000">
+                        <a:solidFill>
+                          <a:schemeClr val="bg1">
+                            <a:lumMod val="75000"/>
+                          </a:schemeClr>
+                        </a:solidFill>
                         <a:effectLst/>
                         <a:latin typeface="Calibri" panose="020F0502020204030204" pitchFamily="34" charset="0"/>
                         <a:ea typeface="Calibri" panose="020F0502020204030204" pitchFamily="34" charset="0"/>
@@ -6874,11 +6937,21 @@
                       </a:pPr>
                       <a:r>
                         <a:rPr lang="tr-TR" sz="2000">
+                          <a:solidFill>
+                            <a:schemeClr val="bg1">
+                              <a:lumMod val="75000"/>
+                            </a:schemeClr>
+                          </a:solidFill>
                           <a:effectLst/>
                         </a:rPr>
                         <a:t>2.</a:t>
                       </a:r>
                       <a:endParaRPr lang="tr-TR" sz="2000">
+                        <a:solidFill>
+                          <a:schemeClr val="bg1">
+                            <a:lumMod val="75000"/>
+                          </a:schemeClr>
+                        </a:solidFill>
                         <a:effectLst/>
                         <a:latin typeface="Calibri" panose="020F0502020204030204" pitchFamily="34" charset="0"/>
                         <a:ea typeface="Calibri" panose="020F0502020204030204" pitchFamily="34" charset="0"/>
@@ -6903,17 +6976,32 @@
                       </a:pPr>
                       <a:r>
                         <a:rPr lang="tr-TR" sz="2000" dirty="0">
+                          <a:solidFill>
+                            <a:schemeClr val="bg1">
+                              <a:lumMod val="75000"/>
+                            </a:schemeClr>
+                          </a:solidFill>
                           <a:effectLst/>
                         </a:rPr>
                         <a:t>Data Analysis (Veri Analizi) </a:t>
                       </a:r>
                       <a:r>
                         <a:rPr lang="tr-TR" sz="2000" dirty="0" err="1">
+                          <a:solidFill>
+                            <a:schemeClr val="bg1">
+                              <a:lumMod val="75000"/>
+                            </a:schemeClr>
+                          </a:solidFill>
                           <a:effectLst/>
                         </a:rPr>
                         <a:t>Pandas</a:t>
                       </a:r>
                       <a:endParaRPr lang="tr-TR" sz="2000" dirty="0">
+                        <a:solidFill>
+                          <a:schemeClr val="bg1">
+                            <a:lumMod val="75000"/>
+                          </a:schemeClr>
+                        </a:solidFill>
                         <a:effectLst/>
                       </a:endParaRPr>
                     </a:p>
@@ -6935,11 +7023,21 @@
                       </a:pPr>
                       <a:r>
                         <a:rPr lang="tr-TR" sz="2000" dirty="0">
+                          <a:solidFill>
+                            <a:schemeClr val="bg1">
+                              <a:lumMod val="75000"/>
+                            </a:schemeClr>
+                          </a:solidFill>
                           <a:effectLst/>
                         </a:rPr>
                         <a:t>1 GÜN</a:t>
                       </a:r>
                       <a:endParaRPr lang="tr-TR" sz="2000" dirty="0">
+                        <a:solidFill>
+                          <a:schemeClr val="bg1">
+                            <a:lumMod val="75000"/>
+                          </a:schemeClr>
+                        </a:solidFill>
                         <a:effectLst/>
                         <a:latin typeface="Calibri" panose="020F0502020204030204" pitchFamily="34" charset="0"/>
                         <a:ea typeface="Calibri" panose="020F0502020204030204" pitchFamily="34" charset="0"/>
@@ -6964,11 +7062,21 @@
                       </a:pPr>
                       <a:r>
                         <a:rPr lang="tr-TR" sz="2000">
+                          <a:solidFill>
+                            <a:schemeClr val="bg1">
+                              <a:lumMod val="75000"/>
+                            </a:schemeClr>
+                          </a:solidFill>
                           <a:effectLst/>
                         </a:rPr>
                         <a:t>15-16 Mayıs 2019</a:t>
                       </a:r>
                       <a:endParaRPr lang="tr-TR" sz="2000">
+                        <a:solidFill>
+                          <a:schemeClr val="bg1">
+                            <a:lumMod val="75000"/>
+                          </a:schemeClr>
+                        </a:solidFill>
                         <a:effectLst/>
                         <a:latin typeface="Calibri" panose="020F0502020204030204" pitchFamily="34" charset="0"/>
                         <a:ea typeface="Calibri" panose="020F0502020204030204" pitchFamily="34" charset="0"/>
@@ -7000,11 +7108,21 @@
                       </a:pPr>
                       <a:r>
                         <a:rPr lang="tr-TR" sz="2000">
+                          <a:solidFill>
+                            <a:schemeClr val="bg1">
+                              <a:lumMod val="75000"/>
+                            </a:schemeClr>
+                          </a:solidFill>
                           <a:effectLst/>
                         </a:rPr>
                         <a:t>3.</a:t>
                       </a:r>
                       <a:endParaRPr lang="tr-TR" sz="2000">
+                        <a:solidFill>
+                          <a:schemeClr val="bg1">
+                            <a:lumMod val="75000"/>
+                          </a:schemeClr>
+                        </a:solidFill>
                         <a:effectLst/>
                         <a:latin typeface="Calibri" panose="020F0502020204030204" pitchFamily="34" charset="0"/>
                         <a:ea typeface="Calibri" panose="020F0502020204030204" pitchFamily="34" charset="0"/>
@@ -7029,53 +7147,98 @@
                       </a:pPr>
                       <a:r>
                         <a:rPr lang="tr-TR" sz="2000" dirty="0">
+                          <a:solidFill>
+                            <a:schemeClr val="bg1">
+                              <a:lumMod val="75000"/>
+                            </a:schemeClr>
+                          </a:solidFill>
                           <a:effectLst/>
                         </a:rPr>
                         <a:t>Data Analysis </a:t>
                       </a:r>
                       <a:r>
                         <a:rPr lang="tr-TR" sz="2000" dirty="0" err="1">
+                          <a:solidFill>
+                            <a:schemeClr val="bg1">
+                              <a:lumMod val="75000"/>
+                            </a:schemeClr>
+                          </a:solidFill>
                           <a:effectLst/>
                         </a:rPr>
                         <a:t>and</a:t>
                       </a:r>
                       <a:r>
                         <a:rPr lang="tr-TR" sz="2000" dirty="0">
+                          <a:solidFill>
+                            <a:schemeClr val="bg1">
+                              <a:lumMod val="75000"/>
+                            </a:schemeClr>
+                          </a:solidFill>
                           <a:effectLst/>
                         </a:rPr>
                         <a:t> </a:t>
                       </a:r>
                       <a:r>
                         <a:rPr lang="tr-TR" sz="2000" dirty="0" err="1">
+                          <a:solidFill>
+                            <a:schemeClr val="bg1">
+                              <a:lumMod val="75000"/>
+                            </a:schemeClr>
+                          </a:solidFill>
                           <a:effectLst/>
                         </a:rPr>
                         <a:t>Visualization</a:t>
                       </a:r>
                       <a:r>
                         <a:rPr lang="tr-TR" sz="2000" dirty="0">
+                          <a:solidFill>
+                            <a:schemeClr val="bg1">
+                              <a:lumMod val="75000"/>
+                            </a:schemeClr>
+                          </a:solidFill>
                           <a:effectLst/>
                         </a:rPr>
                         <a:t> (Veri Analizi ve Görselleştirme) </a:t>
                       </a:r>
                       <a:r>
                         <a:rPr lang="tr-TR" sz="2000" dirty="0" err="1">
+                          <a:solidFill>
+                            <a:schemeClr val="bg1">
+                              <a:lumMod val="75000"/>
+                            </a:schemeClr>
+                          </a:solidFill>
                           <a:effectLst/>
                         </a:rPr>
                         <a:t>Pandas</a:t>
                       </a:r>
                       <a:r>
                         <a:rPr lang="tr-TR" sz="2000" dirty="0">
+                          <a:solidFill>
+                            <a:schemeClr val="bg1">
+                              <a:lumMod val="75000"/>
+                            </a:schemeClr>
+                          </a:solidFill>
                           <a:effectLst/>
                         </a:rPr>
                         <a:t> - </a:t>
                       </a:r>
                       <a:r>
                         <a:rPr lang="tr-TR" sz="2000" dirty="0" err="1">
+                          <a:solidFill>
+                            <a:schemeClr val="bg1">
+                              <a:lumMod val="75000"/>
+                            </a:schemeClr>
+                          </a:solidFill>
                           <a:effectLst/>
                         </a:rPr>
                         <a:t>Matplotlib</a:t>
                       </a:r>
                       <a:endParaRPr lang="tr-TR" sz="2000" dirty="0">
+                        <a:solidFill>
+                          <a:schemeClr val="bg1">
+                            <a:lumMod val="75000"/>
+                          </a:schemeClr>
+                        </a:solidFill>
                         <a:effectLst/>
                       </a:endParaRPr>
                     </a:p>
@@ -7097,11 +7260,21 @@
                       </a:pPr>
                       <a:r>
                         <a:rPr lang="tr-TR" sz="2000">
+                          <a:solidFill>
+                            <a:schemeClr val="bg1">
+                              <a:lumMod val="75000"/>
+                            </a:schemeClr>
+                          </a:solidFill>
                           <a:effectLst/>
                         </a:rPr>
                         <a:t>1 GÜN</a:t>
                       </a:r>
                       <a:endParaRPr lang="tr-TR" sz="2000">
+                        <a:solidFill>
+                          <a:schemeClr val="bg1">
+                            <a:lumMod val="75000"/>
+                          </a:schemeClr>
+                        </a:solidFill>
                         <a:effectLst/>
                         <a:latin typeface="Calibri" panose="020F0502020204030204" pitchFamily="34" charset="0"/>
                         <a:ea typeface="Calibri" panose="020F0502020204030204" pitchFamily="34" charset="0"/>
@@ -7126,11 +7299,21 @@
                       </a:pPr>
                       <a:r>
                         <a:rPr lang="tr-TR" sz="2000">
+                          <a:solidFill>
+                            <a:schemeClr val="bg1">
+                              <a:lumMod val="75000"/>
+                            </a:schemeClr>
+                          </a:solidFill>
                           <a:effectLst/>
                         </a:rPr>
                         <a:t>22-24 Mayıs 2019</a:t>
                       </a:r>
                       <a:endParaRPr lang="tr-TR" sz="2000">
+                        <a:solidFill>
+                          <a:schemeClr val="bg1">
+                            <a:lumMod val="75000"/>
+                          </a:schemeClr>
+                        </a:solidFill>
                         <a:effectLst/>
                         <a:latin typeface="Calibri" panose="020F0502020204030204" pitchFamily="34" charset="0"/>
                         <a:ea typeface="Calibri" panose="020F0502020204030204" pitchFamily="34" charset="0"/>
@@ -7162,11 +7345,21 @@
                       </a:pPr>
                       <a:r>
                         <a:rPr lang="tr-TR" sz="2000">
+                          <a:solidFill>
+                            <a:schemeClr val="bg1">
+                              <a:lumMod val="75000"/>
+                            </a:schemeClr>
+                          </a:solidFill>
                           <a:effectLst/>
                         </a:rPr>
                         <a:t>4.</a:t>
                       </a:r>
                       <a:endParaRPr lang="tr-TR" sz="2000">
+                        <a:solidFill>
+                          <a:schemeClr val="bg1">
+                            <a:lumMod val="75000"/>
+                          </a:schemeClr>
+                        </a:solidFill>
                         <a:effectLst/>
                         <a:latin typeface="Calibri" panose="020F0502020204030204" pitchFamily="34" charset="0"/>
                         <a:ea typeface="Calibri" panose="020F0502020204030204" pitchFamily="34" charset="0"/>
@@ -7200,23 +7393,43 @@
                       </a:pPr>
                       <a:r>
                         <a:rPr lang="tr-TR" sz="2000" dirty="0">
+                          <a:solidFill>
+                            <a:schemeClr val="bg1">
+                              <a:lumMod val="75000"/>
+                            </a:schemeClr>
+                          </a:solidFill>
                           <a:effectLst/>
                         </a:rPr>
                         <a:t>Data </a:t>
                       </a:r>
                       <a:r>
                         <a:rPr lang="tr-TR" sz="2000" dirty="0" err="1">
+                          <a:solidFill>
+                            <a:schemeClr val="bg1">
+                              <a:lumMod val="75000"/>
+                            </a:schemeClr>
+                          </a:solidFill>
                           <a:effectLst/>
                         </a:rPr>
                         <a:t>Preprocessing</a:t>
                       </a:r>
                       <a:r>
                         <a:rPr lang="tr-TR" sz="2000" dirty="0">
+                          <a:solidFill>
+                            <a:schemeClr val="bg1">
+                              <a:lumMod val="75000"/>
+                            </a:schemeClr>
+                          </a:solidFill>
                           <a:effectLst/>
                         </a:rPr>
                         <a:t> (Veri Ön İşleme)</a:t>
                       </a:r>
                       <a:endParaRPr lang="tr-TR" sz="2000" dirty="0">
+                        <a:solidFill>
+                          <a:schemeClr val="bg1">
+                            <a:lumMod val="75000"/>
+                          </a:schemeClr>
+                        </a:solidFill>
                         <a:effectLst/>
                         <a:latin typeface="Calibri" panose="020F0502020204030204" pitchFamily="34" charset="0"/>
                         <a:ea typeface="Calibri" panose="020F0502020204030204" pitchFamily="34" charset="0"/>
@@ -7234,18 +7447,33 @@
                       </a:pPr>
                       <a:r>
                         <a:rPr lang="tr-TR" sz="2000" dirty="0">
+                          <a:solidFill>
+                            <a:schemeClr val="bg1">
+                              <a:lumMod val="75000"/>
+                            </a:schemeClr>
+                          </a:solidFill>
                           <a:effectLst/>
                         </a:rPr>
                         <a:t>Data </a:t>
                       </a:r>
                       <a:r>
                         <a:rPr lang="tr-TR" sz="2000" dirty="0" err="1">
+                          <a:solidFill>
+                            <a:schemeClr val="bg1">
+                              <a:lumMod val="75000"/>
+                            </a:schemeClr>
+                          </a:solidFill>
                           <a:effectLst/>
                         </a:rPr>
                         <a:t>Cleaning</a:t>
                       </a:r>
                       <a:r>
                         <a:rPr lang="tr-TR" sz="2000" dirty="0">
+                          <a:solidFill>
+                            <a:schemeClr val="bg1">
+                              <a:lumMod val="75000"/>
+                            </a:schemeClr>
+                          </a:solidFill>
                           <a:effectLst/>
                         </a:rPr>
                         <a:t> (Veri Temizleme)</a:t>
@@ -7271,59 +7499,109 @@
                       </a:pPr>
                       <a:r>
                         <a:rPr lang="tr-TR" sz="2000" dirty="0">
+                          <a:solidFill>
+                            <a:schemeClr val="bg1">
+                              <a:lumMod val="75000"/>
+                            </a:schemeClr>
+                          </a:solidFill>
                           <a:effectLst/>
                         </a:rPr>
                         <a:t>ETL (</a:t>
                       </a:r>
                       <a:r>
                         <a:rPr lang="tr-TR" sz="2000" dirty="0" err="1">
+                          <a:solidFill>
+                            <a:schemeClr val="bg1">
+                              <a:lumMod val="75000"/>
+                            </a:schemeClr>
+                          </a:solidFill>
                           <a:effectLst/>
                         </a:rPr>
                         <a:t>Extract</a:t>
                       </a:r>
                       <a:r>
                         <a:rPr lang="tr-TR" sz="2000" dirty="0">
+                          <a:solidFill>
+                            <a:schemeClr val="bg1">
+                              <a:lumMod val="75000"/>
+                            </a:schemeClr>
+                          </a:solidFill>
                           <a:effectLst/>
                         </a:rPr>
                         <a:t>, </a:t>
                       </a:r>
                       <a:r>
                         <a:rPr lang="tr-TR" sz="2000" dirty="0" err="1">
+                          <a:solidFill>
+                            <a:schemeClr val="bg1">
+                              <a:lumMod val="75000"/>
+                            </a:schemeClr>
+                          </a:solidFill>
                           <a:effectLst/>
                         </a:rPr>
                         <a:t>Transform</a:t>
                       </a:r>
                       <a:r>
                         <a:rPr lang="tr-TR" sz="2000" dirty="0">
+                          <a:solidFill>
+                            <a:schemeClr val="bg1">
+                              <a:lumMod val="75000"/>
+                            </a:schemeClr>
+                          </a:solidFill>
                           <a:effectLst/>
                         </a:rPr>
                         <a:t> </a:t>
                       </a:r>
                       <a:r>
                         <a:rPr lang="tr-TR" sz="2000" dirty="0" err="1">
+                          <a:solidFill>
+                            <a:schemeClr val="bg1">
+                              <a:lumMod val="75000"/>
+                            </a:schemeClr>
+                          </a:solidFill>
                           <a:effectLst/>
                         </a:rPr>
                         <a:t>and</a:t>
                       </a:r>
                       <a:r>
                         <a:rPr lang="tr-TR" sz="2000" dirty="0">
+                          <a:solidFill>
+                            <a:schemeClr val="bg1">
+                              <a:lumMod val="75000"/>
+                            </a:schemeClr>
+                          </a:solidFill>
                           <a:effectLst/>
                         </a:rPr>
                         <a:t> </a:t>
                       </a:r>
                       <a:r>
                         <a:rPr lang="tr-TR" sz="2000" dirty="0" err="1">
+                          <a:solidFill>
+                            <a:schemeClr val="bg1">
+                              <a:lumMod val="75000"/>
+                            </a:schemeClr>
+                          </a:solidFill>
                           <a:effectLst/>
                         </a:rPr>
                         <a:t>Load</a:t>
                       </a:r>
                       <a:r>
                         <a:rPr lang="tr-TR" sz="2000" dirty="0">
+                          <a:solidFill>
+                            <a:schemeClr val="bg1">
+                              <a:lumMod val="75000"/>
+                            </a:schemeClr>
+                          </a:solidFill>
                           <a:effectLst/>
                         </a:rPr>
                         <a:t>)</a:t>
                       </a:r>
                       <a:endParaRPr lang="tr-TR" sz="2000" dirty="0">
+                        <a:solidFill>
+                          <a:schemeClr val="bg1">
+                            <a:lumMod val="75000"/>
+                          </a:schemeClr>
+                        </a:solidFill>
                         <a:effectLst/>
                         <a:latin typeface="Calibri" panose="020F0502020204030204" pitchFamily="34" charset="0"/>
                         <a:ea typeface="Calibri" panose="020F0502020204030204" pitchFamily="34" charset="0"/>
@@ -7347,12 +7625,22 @@
                         </a:spcAft>
                       </a:pPr>
                       <a:r>
-                        <a:rPr lang="tr-TR" sz="2000">
+                        <a:rPr lang="tr-TR" sz="2000" dirty="0">
+                          <a:solidFill>
+                            <a:schemeClr val="bg1">
+                              <a:lumMod val="75000"/>
+                            </a:schemeClr>
+                          </a:solidFill>
                           <a:effectLst/>
                         </a:rPr>
                         <a:t>2 GÜN</a:t>
                       </a:r>
-                      <a:endParaRPr lang="tr-TR" sz="2000">
+                      <a:endParaRPr lang="tr-TR" sz="2000" dirty="0">
+                        <a:solidFill>
+                          <a:schemeClr val="bg1">
+                            <a:lumMod val="75000"/>
+                          </a:schemeClr>
+                        </a:solidFill>
                         <a:effectLst/>
                         <a:latin typeface="Calibri" panose="020F0502020204030204" pitchFamily="34" charset="0"/>
                         <a:ea typeface="Calibri" panose="020F0502020204030204" pitchFamily="34" charset="0"/>
@@ -7376,12 +7664,22 @@
                         </a:spcAft>
                       </a:pPr>
                       <a:r>
-                        <a:rPr lang="tr-TR" sz="2000">
+                        <a:rPr lang="tr-TR" sz="2000" dirty="0">
+                          <a:solidFill>
+                            <a:schemeClr val="bg1">
+                              <a:lumMod val="75000"/>
+                            </a:schemeClr>
+                          </a:solidFill>
                           <a:effectLst/>
                         </a:rPr>
                         <a:t>22-24 Mayıs 2019</a:t>
                       </a:r>
-                      <a:endParaRPr lang="tr-TR" sz="2000">
+                      <a:endParaRPr lang="tr-TR" sz="2000" dirty="0">
+                        <a:solidFill>
+                          <a:schemeClr val="bg1">
+                            <a:lumMod val="75000"/>
+                          </a:schemeClr>
+                        </a:solidFill>
                         <a:effectLst/>
                         <a:latin typeface="Calibri" panose="020F0502020204030204" pitchFamily="34" charset="0"/>
                         <a:ea typeface="Calibri" panose="020F0502020204030204" pitchFamily="34" charset="0"/>
@@ -7502,7 +7800,7 @@
                         <a:rPr lang="tr-TR" sz="2000" dirty="0">
                           <a:effectLst/>
                         </a:rPr>
-                        <a:t>02 ve 04 Temmuz 2019</a:t>
+                        <a:t>02, 04, 09 Temmuz 2019</a:t>
                       </a:r>
                       <a:endParaRPr lang="tr-TR" sz="2000" dirty="0">
                         <a:effectLst/>
@@ -7625,7 +7923,7 @@
                         <a:rPr lang="tr-TR" sz="2000" dirty="0">
                           <a:effectLst/>
                         </a:rPr>
-                        <a:t>09-11 Temmuz 2019</a:t>
+                        <a:t>10 Temmuz 2019</a:t>
                       </a:r>
                       <a:endParaRPr lang="tr-TR" sz="2000" dirty="0">
                         <a:effectLst/>
@@ -7748,23 +8046,7 @@
                         <a:rPr lang="tr-TR" sz="2000" dirty="0">
                           <a:effectLst/>
                         </a:rPr>
-                        <a:t>09-11 Temmuz 2019</a:t>
-                      </a:r>
-                    </a:p>
-                    <a:p>
-                      <a:pPr algn="r">
-                        <a:lnSpc>
-                          <a:spcPct val="107000"/>
-                        </a:lnSpc>
-                        <a:spcAft>
-                          <a:spcPts val="0"/>
-                        </a:spcAft>
-                      </a:pPr>
-                      <a:r>
-                        <a:rPr lang="tr-TR" sz="2000" dirty="0">
-                          <a:effectLst/>
-                        </a:rPr>
-                        <a:t>16-17 Temmuz 2019</a:t>
+                        <a:t>11, 16, 17 Temmuz 2019</a:t>
                       </a:r>
                       <a:endParaRPr lang="tr-TR" sz="2000" dirty="0">
                         <a:effectLst/>

--- a/acilis_sunumu.pptx
+++ b/acilis_sunumu.pptx
@@ -13,6 +13,9 @@
     <p:sldId id="334" r:id="rId7"/>
     <p:sldId id="333" r:id="rId8"/>
     <p:sldId id="331" r:id="rId9"/>
+    <p:sldId id="338" r:id="rId10"/>
+    <p:sldId id="341" r:id="rId11"/>
+    <p:sldId id="339" r:id="rId12"/>
   </p:sldIdLst>
   <p:sldSz cx="12192000" cy="6858000"/>
   <p:notesSz cx="6858000" cy="9144000"/>
@@ -134,8 +137,8 @@
 <pc:chgInfo xmlns:a="http://schemas.openxmlformats.org/drawingml/2006/main" xmlns:r="http://schemas.openxmlformats.org/officeDocument/2006/relationships" xmlns:ac="http://schemas.microsoft.com/office/drawing/2013/main/command" xmlns:pc="http://schemas.microsoft.com/office/powerpoint/2013/main/command">
   <pc:docChgLst>
     <pc:chgData name="Erkan ŞİRİN" userId="7f10ce1d6aaf8c5d" providerId="LiveId" clId="{1BFD029C-DFCC-425B-8851-621E66778794}"/>
-    <pc:docChg chg="custSel modSld">
-      <pc:chgData name="Erkan ŞİRİN" userId="7f10ce1d6aaf8c5d" providerId="LiveId" clId="{1BFD029C-DFCC-425B-8851-621E66778794}" dt="2019-07-02T06:16:01.978" v="53" actId="20577"/>
+    <pc:docChg chg="custSel addSld modSld">
+      <pc:chgData name="Erkan ŞİRİN" userId="7f10ce1d6aaf8c5d" providerId="LiveId" clId="{1BFD029C-DFCC-425B-8851-621E66778794}" dt="2019-07-04T13:01:00.884" v="61"/>
       <pc:docMkLst>
         <pc:docMk/>
       </pc:docMkLst>
@@ -163,6 +166,21 @@
         </pc:spChg>
       </pc:sldChg>
       <pc:sldChg chg="modSp">
+        <pc:chgData name="Erkan ŞİRİN" userId="7f10ce1d6aaf8c5d" providerId="LiveId" clId="{1BFD029C-DFCC-425B-8851-621E66778794}" dt="2019-07-02T06:30:37.273" v="60" actId="20577"/>
+        <pc:sldMkLst>
+          <pc:docMk/>
+          <pc:sldMk cId="136345581" sldId="333"/>
+        </pc:sldMkLst>
+        <pc:graphicFrameChg chg="modGraphic">
+          <ac:chgData name="Erkan ŞİRİN" userId="7f10ce1d6aaf8c5d" providerId="LiveId" clId="{1BFD029C-DFCC-425B-8851-621E66778794}" dt="2019-07-02T06:30:37.273" v="60" actId="20577"/>
+          <ac:graphicFrameMkLst>
+            <pc:docMk/>
+            <pc:sldMk cId="136345581" sldId="333"/>
+            <ac:graphicFrameMk id="2" creationId="{F7A6A035-4F9C-4E8A-9478-6E1DEF5AFA0B}"/>
+          </ac:graphicFrameMkLst>
+        </pc:graphicFrameChg>
+      </pc:sldChg>
+      <pc:sldChg chg="modSp">
         <pc:chgData name="Erkan ŞİRİN" userId="7f10ce1d6aaf8c5d" providerId="LiveId" clId="{1BFD029C-DFCC-425B-8851-621E66778794}" dt="2019-07-02T06:15:07.802" v="33" actId="207"/>
         <pc:sldMkLst>
           <pc:docMk/>
@@ -176,6 +194,27 @@
             <ac:graphicFrameMk id="2" creationId="{F7A6A035-4F9C-4E8A-9478-6E1DEF5AFA0B}"/>
           </ac:graphicFrameMkLst>
         </pc:graphicFrameChg>
+      </pc:sldChg>
+      <pc:sldChg chg="add">
+        <pc:chgData name="Erkan ŞİRİN" userId="7f10ce1d6aaf8c5d" providerId="LiveId" clId="{1BFD029C-DFCC-425B-8851-621E66778794}" dt="2019-07-04T13:01:00.884" v="61"/>
+        <pc:sldMkLst>
+          <pc:docMk/>
+          <pc:sldMk cId="1944784783" sldId="338"/>
+        </pc:sldMkLst>
+      </pc:sldChg>
+      <pc:sldChg chg="add">
+        <pc:chgData name="Erkan ŞİRİN" userId="7f10ce1d6aaf8c5d" providerId="LiveId" clId="{1BFD029C-DFCC-425B-8851-621E66778794}" dt="2019-07-04T13:01:00.884" v="61"/>
+        <pc:sldMkLst>
+          <pc:docMk/>
+          <pc:sldMk cId="915150309" sldId="339"/>
+        </pc:sldMkLst>
+      </pc:sldChg>
+      <pc:sldChg chg="add">
+        <pc:chgData name="Erkan ŞİRİN" userId="7f10ce1d6aaf8c5d" providerId="LiveId" clId="{1BFD029C-DFCC-425B-8851-621E66778794}" dt="2019-07-04T13:01:00.884" v="61"/>
+        <pc:sldMkLst>
+          <pc:docMk/>
+          <pc:sldMk cId="2201042094" sldId="341"/>
+        </pc:sldMkLst>
       </pc:sldChg>
     </pc:docChg>
   </pc:docChgLst>
@@ -623,7 +662,7 @@
           <a:p>
             <a:fld id="{BAB971F1-0A24-473E-8A66-D77E329B588E}" type="datetimeFigureOut">
               <a:rPr lang="tr-TR" smtClean="0"/>
-              <a:t>2.07.2019</a:t>
+              <a:t>4.07.2019</a:t>
             </a:fld>
             <a:endParaRPr lang="tr-TR"/>
           </a:p>
@@ -821,7 +860,7 @@
           <a:p>
             <a:fld id="{BAB971F1-0A24-473E-8A66-D77E329B588E}" type="datetimeFigureOut">
               <a:rPr lang="tr-TR" smtClean="0"/>
-              <a:t>2.07.2019</a:t>
+              <a:t>4.07.2019</a:t>
             </a:fld>
             <a:endParaRPr lang="tr-TR"/>
           </a:p>
@@ -1029,7 +1068,7 @@
           <a:p>
             <a:fld id="{BAB971F1-0A24-473E-8A66-D77E329B588E}" type="datetimeFigureOut">
               <a:rPr lang="tr-TR" smtClean="0"/>
-              <a:t>2.07.2019</a:t>
+              <a:t>4.07.2019</a:t>
             </a:fld>
             <a:endParaRPr lang="tr-TR"/>
           </a:p>
@@ -1227,7 +1266,7 @@
           <a:p>
             <a:fld id="{BAB971F1-0A24-473E-8A66-D77E329B588E}" type="datetimeFigureOut">
               <a:rPr lang="tr-TR" smtClean="0"/>
-              <a:t>2.07.2019</a:t>
+              <a:t>4.07.2019</a:t>
             </a:fld>
             <a:endParaRPr lang="tr-TR"/>
           </a:p>
@@ -1502,7 +1541,7 @@
           <a:p>
             <a:fld id="{BAB971F1-0A24-473E-8A66-D77E329B588E}" type="datetimeFigureOut">
               <a:rPr lang="tr-TR" smtClean="0"/>
-              <a:t>2.07.2019</a:t>
+              <a:t>4.07.2019</a:t>
             </a:fld>
             <a:endParaRPr lang="tr-TR"/>
           </a:p>
@@ -1767,7 +1806,7 @@
           <a:p>
             <a:fld id="{BAB971F1-0A24-473E-8A66-D77E329B588E}" type="datetimeFigureOut">
               <a:rPr lang="tr-TR" smtClean="0"/>
-              <a:t>2.07.2019</a:t>
+              <a:t>4.07.2019</a:t>
             </a:fld>
             <a:endParaRPr lang="tr-TR"/>
           </a:p>
@@ -2179,7 +2218,7 @@
           <a:p>
             <a:fld id="{BAB971F1-0A24-473E-8A66-D77E329B588E}" type="datetimeFigureOut">
               <a:rPr lang="tr-TR" smtClean="0"/>
-              <a:t>2.07.2019</a:t>
+              <a:t>4.07.2019</a:t>
             </a:fld>
             <a:endParaRPr lang="tr-TR"/>
           </a:p>
@@ -2320,7 +2359,7 @@
           <a:p>
             <a:fld id="{BAB971F1-0A24-473E-8A66-D77E329B588E}" type="datetimeFigureOut">
               <a:rPr lang="tr-TR" smtClean="0"/>
-              <a:t>2.07.2019</a:t>
+              <a:t>4.07.2019</a:t>
             </a:fld>
             <a:endParaRPr lang="tr-TR"/>
           </a:p>
@@ -2433,7 +2472,7 @@
           <a:p>
             <a:fld id="{BAB971F1-0A24-473E-8A66-D77E329B588E}" type="datetimeFigureOut">
               <a:rPr lang="tr-TR" smtClean="0"/>
-              <a:t>2.07.2019</a:t>
+              <a:t>4.07.2019</a:t>
             </a:fld>
             <a:endParaRPr lang="tr-TR"/>
           </a:p>
@@ -2744,7 +2783,7 @@
           <a:p>
             <a:fld id="{BAB971F1-0A24-473E-8A66-D77E329B588E}" type="datetimeFigureOut">
               <a:rPr lang="tr-TR" smtClean="0"/>
-              <a:t>2.07.2019</a:t>
+              <a:t>4.07.2019</a:t>
             </a:fld>
             <a:endParaRPr lang="tr-TR"/>
           </a:p>
@@ -3032,7 +3071,7 @@
           <a:p>
             <a:fld id="{BAB971F1-0A24-473E-8A66-D77E329B588E}" type="datetimeFigureOut">
               <a:rPr lang="tr-TR" smtClean="0"/>
-              <a:t>2.07.2019</a:t>
+              <a:t>4.07.2019</a:t>
             </a:fld>
             <a:endParaRPr lang="tr-TR"/>
           </a:p>
@@ -3273,7 +3312,7 @@
           <a:p>
             <a:fld id="{BAB971F1-0A24-473E-8A66-D77E329B588E}" type="datetimeFigureOut">
               <a:rPr lang="tr-TR" smtClean="0"/>
-              <a:t>2.07.2019</a:t>
+              <a:t>4.07.2019</a:t>
             </a:fld>
             <a:endParaRPr lang="tr-TR"/>
           </a:p>
@@ -3977,6 +4016,704 @@
   <p:clrMapOvr>
     <a:masterClrMapping/>
   </p:clrMapOvr>
+</p:sld>
+</file>
+
+<file path=ppt/slides/slide10.xml><?xml version="1.0" encoding="utf-8"?>
+<p:sld xmlns:a="http://schemas.openxmlformats.org/drawingml/2006/main" xmlns:r="http://schemas.openxmlformats.org/officeDocument/2006/relationships" xmlns:p="http://schemas.openxmlformats.org/presentationml/2006/main">
+  <p:cSld>
+    <p:spTree>
+      <p:nvGrpSpPr>
+        <p:cNvPr id="1" name=""/>
+        <p:cNvGrpSpPr/>
+        <p:nvPr/>
+      </p:nvGrpSpPr>
+      <p:grpSpPr>
+        <a:xfrm>
+          <a:off x="0" y="0"/>
+          <a:ext cx="0" cy="0"/>
+          <a:chOff x="0" y="0"/>
+          <a:chExt cx="0" cy="0"/>
+        </a:xfrm>
+      </p:grpSpPr>
+      <p:sp>
+        <p:nvSpPr>
+          <p:cNvPr id="16" name="Unvan 1"/>
+          <p:cNvSpPr>
+            <a:spLocks noGrp="1"/>
+          </p:cNvSpPr>
+          <p:nvPr>
+            <p:ph type="ctrTitle"/>
+          </p:nvPr>
+        </p:nvSpPr>
+        <p:spPr>
+          <a:xfrm>
+            <a:off x="1650999" y="369937"/>
+            <a:ext cx="8610600" cy="619433"/>
+          </a:xfrm>
+        </p:spPr>
+        <p:txBody>
+          <a:bodyPr>
+            <a:noAutofit/>
+          </a:bodyPr>
+          <a:lstStyle/>
+          <a:p>
+            <a:r>
+              <a:rPr lang="tr-TR" sz="4000" b="1" dirty="0">
+                <a:solidFill>
+                  <a:srgbClr val="FF4D4D"/>
+                </a:solidFill>
+                <a:latin typeface="Roboto"/>
+                <a:ea typeface="+mn-ea"/>
+                <a:cs typeface="+mn-cs"/>
+              </a:rPr>
+              <a:t>Tavsiye Edilen Kaynaklar</a:t>
+            </a:r>
+            <a:endParaRPr lang="en-US" sz="4000" b="1" dirty="0">
+              <a:solidFill>
+                <a:srgbClr val="FF4D4D"/>
+              </a:solidFill>
+              <a:latin typeface="Roboto"/>
+              <a:ea typeface="+mn-ea"/>
+              <a:cs typeface="+mn-cs"/>
+            </a:endParaRPr>
+          </a:p>
+        </p:txBody>
+      </p:sp>
+      <p:pic>
+        <p:nvPicPr>
+          <p:cNvPr id="4" name="Resim 3">
+            <a:hlinkClick r:id="rId2"/>
+            <a:extLst>
+              <a:ext uri="{FF2B5EF4-FFF2-40B4-BE49-F238E27FC236}">
+                <a16:creationId xmlns:a16="http://schemas.microsoft.com/office/drawing/2014/main" id="{1E603009-26E8-469D-8544-D43F291576DE}"/>
+              </a:ext>
+            </a:extLst>
+          </p:cNvPr>
+          <p:cNvPicPr>
+            <a:picLocks noChangeAspect="1"/>
+          </p:cNvPicPr>
+          <p:nvPr/>
+        </p:nvPicPr>
+        <p:blipFill>
+          <a:blip r:embed="rId3">
+            <a:extLst>
+              <a:ext uri="{28A0092B-C50C-407E-A947-70E740481C1C}">
+                <a14:useLocalDpi xmlns:a14="http://schemas.microsoft.com/office/drawing/2010/main" val="0"/>
+              </a:ext>
+            </a:extLst>
+          </a:blip>
+          <a:stretch>
+            <a:fillRect/>
+          </a:stretch>
+        </p:blipFill>
+        <p:spPr>
+          <a:xfrm>
+            <a:off x="1650999" y="1494472"/>
+            <a:ext cx="3629025" cy="4752975"/>
+          </a:xfrm>
+          <a:prstGeom prst="rect">
+            <a:avLst/>
+          </a:prstGeom>
+        </p:spPr>
+      </p:pic>
+      <p:pic>
+        <p:nvPicPr>
+          <p:cNvPr id="2" name="Resim 1">
+            <a:hlinkClick r:id="rId4"/>
+            <a:extLst>
+              <a:ext uri="{FF2B5EF4-FFF2-40B4-BE49-F238E27FC236}">
+                <a16:creationId xmlns:a16="http://schemas.microsoft.com/office/drawing/2014/main" id="{01A57F16-493D-405C-836C-6B2E4612C891}"/>
+              </a:ext>
+            </a:extLst>
+          </p:cNvPr>
+          <p:cNvPicPr>
+            <a:picLocks noChangeAspect="1"/>
+          </p:cNvPicPr>
+          <p:nvPr/>
+        </p:nvPicPr>
+        <p:blipFill>
+          <a:blip r:embed="rId5"/>
+          <a:stretch>
+            <a:fillRect/>
+          </a:stretch>
+        </p:blipFill>
+        <p:spPr>
+          <a:xfrm>
+            <a:off x="6787912" y="1494472"/>
+            <a:ext cx="3753089" cy="4659876"/>
+          </a:xfrm>
+          <a:prstGeom prst="rect">
+            <a:avLst/>
+          </a:prstGeom>
+        </p:spPr>
+      </p:pic>
+    </p:spTree>
+    <p:extLst>
+      <p:ext uri="{BB962C8B-B14F-4D97-AF65-F5344CB8AC3E}">
+        <p14:creationId xmlns:p14="http://schemas.microsoft.com/office/powerpoint/2010/main" val="2201042094"/>
+      </p:ext>
+    </p:extLst>
+  </p:cSld>
+  <p:clrMapOvr>
+    <a:masterClrMapping/>
+  </p:clrMapOvr>
+  <p:transition spd="slow">
+    <p:push dir="u"/>
+  </p:transition>
+</p:sld>
+</file>
+
+<file path=ppt/slides/slide11.xml><?xml version="1.0" encoding="utf-8"?>
+<p:sld xmlns:a="http://schemas.openxmlformats.org/drawingml/2006/main" xmlns:r="http://schemas.openxmlformats.org/officeDocument/2006/relationships" xmlns:p="http://schemas.openxmlformats.org/presentationml/2006/main">
+  <p:cSld>
+    <p:spTree>
+      <p:nvGrpSpPr>
+        <p:cNvPr id="1" name=""/>
+        <p:cNvGrpSpPr/>
+        <p:nvPr/>
+      </p:nvGrpSpPr>
+      <p:grpSpPr>
+        <a:xfrm>
+          <a:off x="0" y="0"/>
+          <a:ext cx="0" cy="0"/>
+          <a:chOff x="0" y="0"/>
+          <a:chExt cx="0" cy="0"/>
+        </a:xfrm>
+      </p:grpSpPr>
+      <p:sp>
+        <p:nvSpPr>
+          <p:cNvPr id="16" name="Unvan 1"/>
+          <p:cNvSpPr>
+            <a:spLocks noGrp="1"/>
+          </p:cNvSpPr>
+          <p:nvPr>
+            <p:ph type="ctrTitle"/>
+          </p:nvPr>
+        </p:nvSpPr>
+        <p:spPr>
+          <a:xfrm>
+            <a:off x="1650999" y="369937"/>
+            <a:ext cx="8610600" cy="619433"/>
+          </a:xfrm>
+        </p:spPr>
+        <p:txBody>
+          <a:bodyPr>
+            <a:noAutofit/>
+          </a:bodyPr>
+          <a:lstStyle/>
+          <a:p>
+            <a:r>
+              <a:rPr lang="tr-TR" sz="4000" b="1" dirty="0">
+                <a:solidFill>
+                  <a:srgbClr val="FF4D4D"/>
+                </a:solidFill>
+                <a:latin typeface="Roboto"/>
+                <a:ea typeface="+mn-ea"/>
+                <a:cs typeface="+mn-cs"/>
+              </a:rPr>
+              <a:t>Tavsiye Edilen Kaynaklar</a:t>
+            </a:r>
+            <a:endParaRPr lang="en-US" sz="4000" b="1" dirty="0">
+              <a:solidFill>
+                <a:srgbClr val="FF4D4D"/>
+              </a:solidFill>
+              <a:latin typeface="Roboto"/>
+              <a:ea typeface="+mn-ea"/>
+              <a:cs typeface="+mn-cs"/>
+            </a:endParaRPr>
+          </a:p>
+        </p:txBody>
+      </p:sp>
+      <p:pic>
+        <p:nvPicPr>
+          <p:cNvPr id="3" name="Resim 2">
+            <a:hlinkClick r:id="rId2"/>
+            <a:extLst>
+              <a:ext uri="{FF2B5EF4-FFF2-40B4-BE49-F238E27FC236}">
+                <a16:creationId xmlns:a16="http://schemas.microsoft.com/office/drawing/2014/main" id="{3DC4C4A6-EADF-4792-B7B6-0FFFF50F4D75}"/>
+              </a:ext>
+            </a:extLst>
+          </p:cNvPr>
+          <p:cNvPicPr>
+            <a:picLocks noChangeAspect="1"/>
+          </p:cNvPicPr>
+          <p:nvPr/>
+        </p:nvPicPr>
+        <p:blipFill>
+          <a:blip r:embed="rId3">
+            <a:extLst>
+              <a:ext uri="{28A0092B-C50C-407E-A947-70E740481C1C}">
+                <a14:useLocalDpi xmlns:a14="http://schemas.microsoft.com/office/drawing/2010/main" val="0"/>
+              </a:ext>
+            </a:extLst>
+          </a:blip>
+          <a:stretch>
+            <a:fillRect/>
+          </a:stretch>
+        </p:blipFill>
+        <p:spPr>
+          <a:xfrm>
+            <a:off x="1650999" y="1494472"/>
+            <a:ext cx="3256788" cy="4906841"/>
+          </a:xfrm>
+          <a:prstGeom prst="rect">
+            <a:avLst/>
+          </a:prstGeom>
+        </p:spPr>
+      </p:pic>
+      <p:sp>
+        <p:nvSpPr>
+          <p:cNvPr id="5" name="Dikdörtgen 4">
+            <a:extLst>
+              <a:ext uri="{FF2B5EF4-FFF2-40B4-BE49-F238E27FC236}">
+                <a16:creationId xmlns:a16="http://schemas.microsoft.com/office/drawing/2014/main" id="{2E79593C-AA84-4F0F-BB9B-1B5A70AC7FE0}"/>
+              </a:ext>
+            </a:extLst>
+          </p:cNvPr>
+          <p:cNvSpPr/>
+          <p:nvPr/>
+        </p:nvSpPr>
+        <p:spPr>
+          <a:xfrm>
+            <a:off x="5894834" y="1600508"/>
+            <a:ext cx="5389617" cy="461665"/>
+          </a:xfrm>
+          <a:prstGeom prst="rect">
+            <a:avLst/>
+          </a:prstGeom>
+        </p:spPr>
+        <p:txBody>
+          <a:bodyPr wrap="none">
+            <a:spAutoFit/>
+          </a:bodyPr>
+          <a:lstStyle/>
+          <a:p>
+            <a:r>
+              <a:rPr lang="tr-TR" sz="2400" dirty="0">
+                <a:hlinkClick r:id="rId4"/>
+              </a:rPr>
+              <a:t>https://www.udemy.com/python-egitimi/</a:t>
+            </a:r>
+            <a:endParaRPr lang="tr-TR" sz="2400" dirty="0"/>
+          </a:p>
+        </p:txBody>
+      </p:sp>
+      <p:sp>
+        <p:nvSpPr>
+          <p:cNvPr id="7" name="Dikdörtgen 6">
+            <a:extLst>
+              <a:ext uri="{FF2B5EF4-FFF2-40B4-BE49-F238E27FC236}">
+                <a16:creationId xmlns:a16="http://schemas.microsoft.com/office/drawing/2014/main" id="{1D61EBCE-31AA-48F0-8EE0-52989DAEFFDE}"/>
+              </a:ext>
+            </a:extLst>
+          </p:cNvPr>
+          <p:cNvSpPr/>
+          <p:nvPr/>
+        </p:nvSpPr>
+        <p:spPr>
+          <a:xfrm>
+            <a:off x="5894834" y="2658604"/>
+            <a:ext cx="5647443" cy="461665"/>
+          </a:xfrm>
+          <a:prstGeom prst="rect">
+            <a:avLst/>
+          </a:prstGeom>
+        </p:spPr>
+        <p:txBody>
+          <a:bodyPr wrap="none">
+            <a:spAutoFit/>
+          </a:bodyPr>
+          <a:lstStyle/>
+          <a:p>
+            <a:r>
+              <a:rPr lang="tr-TR" sz="2400" dirty="0">
+                <a:hlinkClick r:id="rId5"/>
+              </a:rPr>
+              <a:t>https://www.udemy.com/machinelearning/</a:t>
+            </a:r>
+            <a:endParaRPr lang="tr-TR" sz="2400" dirty="0"/>
+          </a:p>
+        </p:txBody>
+      </p:sp>
+      <p:sp>
+        <p:nvSpPr>
+          <p:cNvPr id="2" name="Dikdörtgen 1">
+            <a:extLst>
+              <a:ext uri="{FF2B5EF4-FFF2-40B4-BE49-F238E27FC236}">
+                <a16:creationId xmlns:a16="http://schemas.microsoft.com/office/drawing/2014/main" id="{C75F96FF-6A46-4881-9731-DF8F9F85D732}"/>
+              </a:ext>
+            </a:extLst>
+          </p:cNvPr>
+          <p:cNvSpPr/>
+          <p:nvPr/>
+        </p:nvSpPr>
+        <p:spPr>
+          <a:xfrm>
+            <a:off x="5894834" y="3721556"/>
+            <a:ext cx="6049285" cy="461665"/>
+          </a:xfrm>
+          <a:prstGeom prst="rect">
+            <a:avLst/>
+          </a:prstGeom>
+        </p:spPr>
+        <p:txBody>
+          <a:bodyPr wrap="none">
+            <a:spAutoFit/>
+          </a:bodyPr>
+          <a:lstStyle/>
+          <a:p>
+            <a:r>
+              <a:rPr lang="tr-TR" sz="2400" dirty="0">
+                <a:hlinkClick r:id="rId6"/>
+              </a:rPr>
+              <a:t>https://www.udemy.com/apache-spark-egitimi</a:t>
+            </a:r>
+            <a:endParaRPr lang="tr-TR" sz="2400" dirty="0"/>
+          </a:p>
+        </p:txBody>
+      </p:sp>
+      <p:sp>
+        <p:nvSpPr>
+          <p:cNvPr id="8" name="Dikdörtgen 7">
+            <a:extLst>
+              <a:ext uri="{FF2B5EF4-FFF2-40B4-BE49-F238E27FC236}">
+                <a16:creationId xmlns:a16="http://schemas.microsoft.com/office/drawing/2014/main" id="{5B34C7BD-5F9F-4405-9C4D-00441BB340B7}"/>
+              </a:ext>
+            </a:extLst>
+          </p:cNvPr>
+          <p:cNvSpPr/>
+          <p:nvPr/>
+        </p:nvSpPr>
+        <p:spPr>
+          <a:xfrm>
+            <a:off x="6072445" y="4772307"/>
+            <a:ext cx="5602111" cy="461665"/>
+          </a:xfrm>
+          <a:prstGeom prst="rect">
+            <a:avLst/>
+          </a:prstGeom>
+        </p:spPr>
+        <p:txBody>
+          <a:bodyPr wrap="none">
+            <a:spAutoFit/>
+          </a:bodyPr>
+          <a:lstStyle/>
+          <a:p>
+            <a:r>
+              <a:rPr lang="tr-TR" sz="2400" dirty="0">
+                <a:hlinkClick r:id="rId7"/>
+              </a:rPr>
+              <a:t>https://belgeler.yazbel.com/python-istihza/</a:t>
+            </a:r>
+            <a:endParaRPr lang="tr-TR" sz="2400" dirty="0"/>
+          </a:p>
+        </p:txBody>
+      </p:sp>
+      <p:sp>
+        <p:nvSpPr>
+          <p:cNvPr id="9" name="Dikdörtgen 8">
+            <a:extLst>
+              <a:ext uri="{FF2B5EF4-FFF2-40B4-BE49-F238E27FC236}">
+                <a16:creationId xmlns:a16="http://schemas.microsoft.com/office/drawing/2014/main" id="{9AC6C4DD-18B1-4B4E-8B1C-24435C353CC0}"/>
+              </a:ext>
+            </a:extLst>
+          </p:cNvPr>
+          <p:cNvSpPr/>
+          <p:nvPr/>
+        </p:nvSpPr>
+        <p:spPr>
+          <a:xfrm>
+            <a:off x="7284215" y="4393131"/>
+            <a:ext cx="2501519" cy="369332"/>
+          </a:xfrm>
+          <a:prstGeom prst="rect">
+            <a:avLst/>
+          </a:prstGeom>
+        </p:spPr>
+        <p:txBody>
+          <a:bodyPr wrap="none">
+            <a:spAutoFit/>
+          </a:bodyPr>
+          <a:lstStyle/>
+          <a:p>
+            <a:r>
+              <a:rPr lang="tr-TR" b="1" dirty="0">
+                <a:solidFill>
+                  <a:srgbClr val="FF4D4D"/>
+                </a:solidFill>
+                <a:latin typeface="Roboto"/>
+              </a:rPr>
+              <a:t>Python Temel Türkçe</a:t>
+            </a:r>
+            <a:endParaRPr lang="tr-TR" dirty="0"/>
+          </a:p>
+        </p:txBody>
+      </p:sp>
+      <p:sp>
+        <p:nvSpPr>
+          <p:cNvPr id="10" name="Dikdörtgen 9">
+            <a:extLst>
+              <a:ext uri="{FF2B5EF4-FFF2-40B4-BE49-F238E27FC236}">
+                <a16:creationId xmlns:a16="http://schemas.microsoft.com/office/drawing/2014/main" id="{47FBF739-3F5B-45FD-8107-1F72088D3BB6}"/>
+              </a:ext>
+            </a:extLst>
+          </p:cNvPr>
+          <p:cNvSpPr/>
+          <p:nvPr/>
+        </p:nvSpPr>
+        <p:spPr>
+          <a:xfrm>
+            <a:off x="6458289" y="3286460"/>
+            <a:ext cx="4262705" cy="369332"/>
+          </a:xfrm>
+          <a:prstGeom prst="rect">
+            <a:avLst/>
+          </a:prstGeom>
+        </p:spPr>
+        <p:txBody>
+          <a:bodyPr wrap="none">
+            <a:spAutoFit/>
+          </a:bodyPr>
+          <a:lstStyle/>
+          <a:p>
+            <a:r>
+              <a:rPr lang="tr-TR" b="1" dirty="0">
+                <a:solidFill>
+                  <a:srgbClr val="FF4D4D"/>
+                </a:solidFill>
+                <a:latin typeface="Roboto"/>
+              </a:rPr>
+              <a:t>Spark </a:t>
+            </a:r>
+            <a:r>
+              <a:rPr lang="tr-TR" b="1" dirty="0" err="1">
+                <a:solidFill>
+                  <a:srgbClr val="FF4D4D"/>
+                </a:solidFill>
+                <a:latin typeface="Roboto"/>
+              </a:rPr>
+              <a:t>Python&amp;Scala</a:t>
+            </a:r>
+            <a:r>
+              <a:rPr lang="tr-TR" b="1" dirty="0">
+                <a:solidFill>
+                  <a:srgbClr val="FF4D4D"/>
+                </a:solidFill>
+                <a:latin typeface="Roboto"/>
+              </a:rPr>
+              <a:t> </a:t>
+            </a:r>
+            <a:r>
+              <a:rPr lang="tr-TR" b="1" dirty="0" err="1">
+                <a:solidFill>
+                  <a:srgbClr val="FF4D4D"/>
+                </a:solidFill>
+                <a:latin typeface="Roboto"/>
+              </a:rPr>
+              <a:t>Big</a:t>
+            </a:r>
+            <a:r>
+              <a:rPr lang="tr-TR" b="1" dirty="0">
+                <a:solidFill>
+                  <a:srgbClr val="FF4D4D"/>
+                </a:solidFill>
+                <a:latin typeface="Roboto"/>
+              </a:rPr>
+              <a:t> Data Türkçe</a:t>
+            </a:r>
+            <a:endParaRPr lang="tr-TR" dirty="0"/>
+          </a:p>
+        </p:txBody>
+      </p:sp>
+      <p:sp>
+        <p:nvSpPr>
+          <p:cNvPr id="11" name="Dikdörtgen 10">
+            <a:extLst>
+              <a:ext uri="{FF2B5EF4-FFF2-40B4-BE49-F238E27FC236}">
+                <a16:creationId xmlns:a16="http://schemas.microsoft.com/office/drawing/2014/main" id="{52D1EF34-F09A-46E2-AA0C-11FE99A49BD0}"/>
+              </a:ext>
+            </a:extLst>
+          </p:cNvPr>
+          <p:cNvSpPr/>
+          <p:nvPr/>
+        </p:nvSpPr>
+        <p:spPr>
+          <a:xfrm>
+            <a:off x="7397483" y="2289272"/>
+            <a:ext cx="2274982" cy="369332"/>
+          </a:xfrm>
+          <a:prstGeom prst="rect">
+            <a:avLst/>
+          </a:prstGeom>
+        </p:spPr>
+        <p:txBody>
+          <a:bodyPr wrap="none">
+            <a:spAutoFit/>
+          </a:bodyPr>
+          <a:lstStyle/>
+          <a:p>
+            <a:r>
+              <a:rPr lang="tr-TR" b="1" dirty="0" err="1">
+                <a:solidFill>
+                  <a:srgbClr val="FF4D4D"/>
+                </a:solidFill>
+                <a:latin typeface="Roboto"/>
+              </a:rPr>
+              <a:t>Python&amp;R</a:t>
+            </a:r>
+            <a:r>
+              <a:rPr lang="tr-TR" b="1" dirty="0">
+                <a:solidFill>
+                  <a:srgbClr val="FF4D4D"/>
+                </a:solidFill>
+                <a:latin typeface="Roboto"/>
+              </a:rPr>
+              <a:t> İngilizce</a:t>
+            </a:r>
+            <a:endParaRPr lang="tr-TR" dirty="0"/>
+          </a:p>
+        </p:txBody>
+      </p:sp>
+      <p:sp>
+        <p:nvSpPr>
+          <p:cNvPr id="12" name="Dikdörtgen 11">
+            <a:extLst>
+              <a:ext uri="{FF2B5EF4-FFF2-40B4-BE49-F238E27FC236}">
+                <a16:creationId xmlns:a16="http://schemas.microsoft.com/office/drawing/2014/main" id="{B8449501-FF42-4F54-9AB4-EAB024C5090C}"/>
+              </a:ext>
+            </a:extLst>
+          </p:cNvPr>
+          <p:cNvSpPr/>
+          <p:nvPr/>
+        </p:nvSpPr>
+        <p:spPr>
+          <a:xfrm>
+            <a:off x="7527871" y="1288703"/>
+            <a:ext cx="1787669" cy="369332"/>
+          </a:xfrm>
+          <a:prstGeom prst="rect">
+            <a:avLst/>
+          </a:prstGeom>
+        </p:spPr>
+        <p:txBody>
+          <a:bodyPr wrap="none">
+            <a:spAutoFit/>
+          </a:bodyPr>
+          <a:lstStyle/>
+          <a:p>
+            <a:r>
+              <a:rPr lang="tr-TR" b="1" dirty="0">
+                <a:solidFill>
+                  <a:srgbClr val="FF4D4D"/>
+                </a:solidFill>
+                <a:latin typeface="Roboto"/>
+              </a:rPr>
+              <a:t>Python Türkçe</a:t>
+            </a:r>
+            <a:endParaRPr lang="tr-TR" dirty="0"/>
+          </a:p>
+        </p:txBody>
+      </p:sp>
+      <p:sp>
+        <p:nvSpPr>
+          <p:cNvPr id="13" name="Dikdörtgen 12">
+            <a:extLst>
+              <a:ext uri="{FF2B5EF4-FFF2-40B4-BE49-F238E27FC236}">
+                <a16:creationId xmlns:a16="http://schemas.microsoft.com/office/drawing/2014/main" id="{5B07A9B9-9F4D-49B7-A6FB-9971F83F16EF}"/>
+              </a:ext>
+            </a:extLst>
+          </p:cNvPr>
+          <p:cNvSpPr/>
+          <p:nvPr/>
+        </p:nvSpPr>
+        <p:spPr>
+          <a:xfrm>
+            <a:off x="6777671" y="5655492"/>
+            <a:ext cx="4283609" cy="830997"/>
+          </a:xfrm>
+          <a:prstGeom prst="rect">
+            <a:avLst/>
+          </a:prstGeom>
+        </p:spPr>
+        <p:txBody>
+          <a:bodyPr wrap="none">
+            <a:spAutoFit/>
+          </a:bodyPr>
+          <a:lstStyle/>
+          <a:p>
+            <a:r>
+              <a:rPr lang="tr-TR" sz="2400" dirty="0">
+                <a:hlinkClick r:id="rId8"/>
+              </a:rPr>
+              <a:t>http://www.datascience.istanbul</a:t>
+            </a:r>
+            <a:endParaRPr lang="tr-TR" sz="2400" dirty="0"/>
+          </a:p>
+          <a:p>
+            <a:r>
+              <a:rPr lang="tr-TR" sz="2400" dirty="0">
+                <a:hlinkClick r:id="rId9"/>
+              </a:rPr>
+              <a:t>http://www.veribilimiokulu.com</a:t>
+            </a:r>
+            <a:endParaRPr lang="tr-TR" sz="2400" dirty="0"/>
+          </a:p>
+        </p:txBody>
+      </p:sp>
+      <p:sp>
+        <p:nvSpPr>
+          <p:cNvPr id="14" name="Dikdörtgen 13">
+            <a:extLst>
+              <a:ext uri="{FF2B5EF4-FFF2-40B4-BE49-F238E27FC236}">
+                <a16:creationId xmlns:a16="http://schemas.microsoft.com/office/drawing/2014/main" id="{5F66CAAC-600E-4CC7-B994-71507352AEC2}"/>
+              </a:ext>
+            </a:extLst>
+          </p:cNvPr>
+          <p:cNvSpPr/>
+          <p:nvPr/>
+        </p:nvSpPr>
+        <p:spPr>
+          <a:xfrm>
+            <a:off x="7234815" y="5351549"/>
+            <a:ext cx="2967479" cy="369332"/>
+          </a:xfrm>
+          <a:prstGeom prst="rect">
+            <a:avLst/>
+          </a:prstGeom>
+        </p:spPr>
+        <p:txBody>
+          <a:bodyPr wrap="none">
+            <a:spAutoFit/>
+          </a:bodyPr>
+          <a:lstStyle/>
+          <a:p>
+            <a:r>
+              <a:rPr lang="tr-TR" b="1" dirty="0">
+                <a:solidFill>
+                  <a:srgbClr val="FF4D4D"/>
+                </a:solidFill>
+                <a:latin typeface="Roboto"/>
+              </a:rPr>
+              <a:t>Machine Learning Türkçe</a:t>
+            </a:r>
+            <a:endParaRPr lang="tr-TR" dirty="0"/>
+          </a:p>
+        </p:txBody>
+      </p:sp>
+    </p:spTree>
+    <p:extLst>
+      <p:ext uri="{BB962C8B-B14F-4D97-AF65-F5344CB8AC3E}">
+        <p14:creationId xmlns:p14="http://schemas.microsoft.com/office/powerpoint/2010/main" val="915150309"/>
+      </p:ext>
+    </p:extLst>
+  </p:cSld>
+  <p:clrMapOvr>
+    <a:masterClrMapping/>
+  </p:clrMapOvr>
+  <p:transition spd="slow">
+    <p:push dir="u"/>
+  </p:transition>
 </p:sld>
 </file>
 
@@ -8283,7 +9020,7 @@
           <p:nvPr>
             <p:extLst>
               <p:ext uri="{D42A27DB-BD31-4B8C-83A1-F6EECF244321}">
-                <p14:modId xmlns:p14="http://schemas.microsoft.com/office/powerpoint/2010/main" val="1627815027"/>
+                <p14:modId xmlns:p14="http://schemas.microsoft.com/office/powerpoint/2010/main" val="169544164"/>
               </p:ext>
             </p:extLst>
           </p:nvPr>
@@ -8955,10 +9692,16 @@
                         </a:spcAft>
                       </a:pPr>
                       <a:r>
+                        <a:rPr lang="tr-TR" sz="1600" dirty="0" err="1">
+                          <a:effectLst/>
+                        </a:rPr>
+                        <a:t>CoLab</a:t>
+                      </a:r>
+                      <a:r>
                         <a:rPr lang="tr-TR" sz="1600" dirty="0">
                           <a:effectLst/>
                         </a:rPr>
-                        <a:t>Ubuntu veya Windows 10, Python-Jupyter.</a:t>
+                        <a:t>, Ubuntu veya Windows 10, Python-Jupyter.</a:t>
                       </a:r>
                       <a:endParaRPr lang="tr-TR" sz="1600" dirty="0">
                         <a:effectLst/>
@@ -9602,6 +10345,168 @@
 </p:sld>
 </file>
 
+<file path=ppt/slides/slide9.xml><?xml version="1.0" encoding="utf-8"?>
+<p:sld xmlns:a="http://schemas.openxmlformats.org/drawingml/2006/main" xmlns:r="http://schemas.openxmlformats.org/officeDocument/2006/relationships" xmlns:p="http://schemas.openxmlformats.org/presentationml/2006/main">
+  <p:cSld>
+    <p:spTree>
+      <p:nvGrpSpPr>
+        <p:cNvPr id="1" name=""/>
+        <p:cNvGrpSpPr/>
+        <p:nvPr/>
+      </p:nvGrpSpPr>
+      <p:grpSpPr>
+        <a:xfrm>
+          <a:off x="0" y="0"/>
+          <a:ext cx="0" cy="0"/>
+          <a:chOff x="0" y="0"/>
+          <a:chExt cx="0" cy="0"/>
+        </a:xfrm>
+      </p:grpSpPr>
+      <p:sp>
+        <p:nvSpPr>
+          <p:cNvPr id="16" name="Unvan 1"/>
+          <p:cNvSpPr>
+            <a:spLocks noGrp="1"/>
+          </p:cNvSpPr>
+          <p:nvPr>
+            <p:ph type="ctrTitle"/>
+          </p:nvPr>
+        </p:nvSpPr>
+        <p:spPr>
+          <a:xfrm>
+            <a:off x="1650999" y="369937"/>
+            <a:ext cx="8610600" cy="619433"/>
+          </a:xfrm>
+        </p:spPr>
+        <p:txBody>
+          <a:bodyPr>
+            <a:noAutofit/>
+          </a:bodyPr>
+          <a:lstStyle/>
+          <a:p>
+            <a:r>
+              <a:rPr lang="tr-TR" sz="4000" b="1" dirty="0">
+                <a:solidFill>
+                  <a:srgbClr val="FF4D4D"/>
+                </a:solidFill>
+                <a:latin typeface="Roboto"/>
+                <a:ea typeface="+mn-ea"/>
+                <a:cs typeface="+mn-cs"/>
+              </a:rPr>
+              <a:t>Tavsiye Edilen Kaynaklar</a:t>
+            </a:r>
+            <a:endParaRPr lang="en-US" sz="4000" b="1" dirty="0">
+              <a:solidFill>
+                <a:srgbClr val="FF4D4D"/>
+              </a:solidFill>
+              <a:latin typeface="Roboto"/>
+              <a:ea typeface="+mn-ea"/>
+              <a:cs typeface="+mn-cs"/>
+            </a:endParaRPr>
+          </a:p>
+        </p:txBody>
+      </p:sp>
+      <p:pic>
+        <p:nvPicPr>
+          <p:cNvPr id="6" name="Resim 5">
+            <a:hlinkClick r:id="rId2"/>
+            <a:extLst>
+              <a:ext uri="{FF2B5EF4-FFF2-40B4-BE49-F238E27FC236}">
+                <a16:creationId xmlns:a16="http://schemas.microsoft.com/office/drawing/2014/main" id="{73CE6A87-7605-4AD9-97AC-889EDE878737}"/>
+              </a:ext>
+            </a:extLst>
+          </p:cNvPr>
+          <p:cNvPicPr>
+            <a:picLocks noChangeAspect="1"/>
+          </p:cNvPicPr>
+          <p:nvPr/>
+        </p:nvPicPr>
+        <p:blipFill>
+          <a:blip r:embed="rId3">
+            <a:extLst>
+              <a:ext uri="{28A0092B-C50C-407E-A947-70E740481C1C}">
+                <a14:useLocalDpi xmlns:a14="http://schemas.microsoft.com/office/drawing/2010/main" val="0"/>
+              </a:ext>
+            </a:extLst>
+          </a:blip>
+          <a:stretch>
+            <a:fillRect/>
+          </a:stretch>
+        </p:blipFill>
+        <p:spPr>
+          <a:xfrm>
+            <a:off x="6637984" y="1494472"/>
+            <a:ext cx="3623615" cy="4752975"/>
+          </a:xfrm>
+          <a:prstGeom prst="rect">
+            <a:avLst/>
+          </a:prstGeom>
+        </p:spPr>
+      </p:pic>
+      <p:pic>
+        <p:nvPicPr>
+          <p:cNvPr id="1026" name="Picture 2" descr="Book Cover">
+            <a:hlinkClick r:id="rId4"/>
+            <a:extLst>
+              <a:ext uri="{FF2B5EF4-FFF2-40B4-BE49-F238E27FC236}">
+                <a16:creationId xmlns:a16="http://schemas.microsoft.com/office/drawing/2014/main" id="{E6D06054-73FC-444F-9E17-06053F321B5E}"/>
+              </a:ext>
+            </a:extLst>
+          </p:cNvPr>
+          <p:cNvPicPr>
+            <a:picLocks noChangeAspect="1" noChangeArrowheads="1"/>
+          </p:cNvPicPr>
+          <p:nvPr/>
+        </p:nvPicPr>
+        <p:blipFill>
+          <a:blip r:embed="rId5">
+            <a:extLst>
+              <a:ext uri="{28A0092B-C50C-407E-A947-70E740481C1C}">
+                <a14:useLocalDpi xmlns:a14="http://schemas.microsoft.com/office/drawing/2010/main" val="0"/>
+              </a:ext>
+            </a:extLst>
+          </a:blip>
+          <a:srcRect/>
+          <a:stretch>
+            <a:fillRect/>
+          </a:stretch>
+        </p:blipFill>
+        <p:spPr bwMode="auto">
+          <a:xfrm>
+            <a:off x="1457961" y="1494472"/>
+            <a:ext cx="3600450" cy="4752975"/>
+          </a:xfrm>
+          <a:prstGeom prst="rect">
+            <a:avLst/>
+          </a:prstGeom>
+          <a:noFill/>
+          <a:extLst>
+            <a:ext uri="{909E8E84-426E-40DD-AFC4-6F175D3DCCD1}">
+              <a14:hiddenFill xmlns:a14="http://schemas.microsoft.com/office/drawing/2010/main">
+                <a:solidFill>
+                  <a:srgbClr val="FFFFFF"/>
+                </a:solidFill>
+              </a14:hiddenFill>
+            </a:ext>
+          </a:extLst>
+        </p:spPr>
+      </p:pic>
+    </p:spTree>
+    <p:extLst>
+      <p:ext uri="{BB962C8B-B14F-4D97-AF65-F5344CB8AC3E}">
+        <p14:creationId xmlns:p14="http://schemas.microsoft.com/office/powerpoint/2010/main" val="1944784783"/>
+      </p:ext>
+    </p:extLst>
+  </p:cSld>
+  <p:clrMapOvr>
+    <a:masterClrMapping/>
+  </p:clrMapOvr>
+  <p:transition spd="slow">
+    <p:push dir="u"/>
+  </p:transition>
+</p:sld>
+</file>
+
 <file path=ppt/theme/theme1.xml><?xml version="1.0" encoding="utf-8"?>
 <a:theme xmlns:a="http://schemas.openxmlformats.org/drawingml/2006/main" name="Office Teması">
   <a:themeElements>

--- a/acilis_sunumu.pptx
+++ b/acilis_sunumu.pptx
@@ -138,7 +138,7 @@
   <pc:docChgLst>
     <pc:chgData name="Erkan ŞİRİN" userId="7f10ce1d6aaf8c5d" providerId="LiveId" clId="{1BFD029C-DFCC-425B-8851-621E66778794}"/>
     <pc:docChg chg="custSel addSld modSld">
-      <pc:chgData name="Erkan ŞİRİN" userId="7f10ce1d6aaf8c5d" providerId="LiveId" clId="{1BFD029C-DFCC-425B-8851-621E66778794}" dt="2019-07-04T13:01:00.884" v="61"/>
+      <pc:chgData name="Erkan ŞİRİN" userId="7f10ce1d6aaf8c5d" providerId="LiveId" clId="{1BFD029C-DFCC-425B-8851-621E66778794}" dt="2019-07-16T06:16:42.640" v="76" actId="20577"/>
       <pc:docMkLst>
         <pc:docMk/>
       </pc:docMkLst>
@@ -181,13 +181,13 @@
         </pc:graphicFrameChg>
       </pc:sldChg>
       <pc:sldChg chg="modSp">
-        <pc:chgData name="Erkan ŞİRİN" userId="7f10ce1d6aaf8c5d" providerId="LiveId" clId="{1BFD029C-DFCC-425B-8851-621E66778794}" dt="2019-07-02T06:15:07.802" v="33" actId="207"/>
+        <pc:chgData name="Erkan ŞİRİN" userId="7f10ce1d6aaf8c5d" providerId="LiveId" clId="{1BFD029C-DFCC-425B-8851-621E66778794}" dt="2019-07-16T06:16:42.640" v="76" actId="20577"/>
         <pc:sldMkLst>
           <pc:docMk/>
           <pc:sldMk cId="2360627406" sldId="334"/>
         </pc:sldMkLst>
         <pc:graphicFrameChg chg="modGraphic">
-          <ac:chgData name="Erkan ŞİRİN" userId="7f10ce1d6aaf8c5d" providerId="LiveId" clId="{1BFD029C-DFCC-425B-8851-621E66778794}" dt="2019-07-02T06:15:07.802" v="33" actId="207"/>
+          <ac:chgData name="Erkan ŞİRİN" userId="7f10ce1d6aaf8c5d" providerId="LiveId" clId="{1BFD029C-DFCC-425B-8851-621E66778794}" dt="2019-07-16T06:16:42.640" v="76" actId="20577"/>
           <ac:graphicFrameMkLst>
             <pc:docMk/>
             <pc:sldMk cId="2360627406" sldId="334"/>
@@ -662,7 +662,7 @@
           <a:p>
             <a:fld id="{BAB971F1-0A24-473E-8A66-D77E329B588E}" type="datetimeFigureOut">
               <a:rPr lang="tr-TR" smtClean="0"/>
-              <a:t>4.07.2019</a:t>
+              <a:t>16.07.2019</a:t>
             </a:fld>
             <a:endParaRPr lang="tr-TR"/>
           </a:p>
@@ -860,7 +860,7 @@
           <a:p>
             <a:fld id="{BAB971F1-0A24-473E-8A66-D77E329B588E}" type="datetimeFigureOut">
               <a:rPr lang="tr-TR" smtClean="0"/>
-              <a:t>4.07.2019</a:t>
+              <a:t>16.07.2019</a:t>
             </a:fld>
             <a:endParaRPr lang="tr-TR"/>
           </a:p>
@@ -1068,7 +1068,7 @@
           <a:p>
             <a:fld id="{BAB971F1-0A24-473E-8A66-D77E329B588E}" type="datetimeFigureOut">
               <a:rPr lang="tr-TR" smtClean="0"/>
-              <a:t>4.07.2019</a:t>
+              <a:t>16.07.2019</a:t>
             </a:fld>
             <a:endParaRPr lang="tr-TR"/>
           </a:p>
@@ -1266,7 +1266,7 @@
           <a:p>
             <a:fld id="{BAB971F1-0A24-473E-8A66-D77E329B588E}" type="datetimeFigureOut">
               <a:rPr lang="tr-TR" smtClean="0"/>
-              <a:t>4.07.2019</a:t>
+              <a:t>16.07.2019</a:t>
             </a:fld>
             <a:endParaRPr lang="tr-TR"/>
           </a:p>
@@ -1541,7 +1541,7 @@
           <a:p>
             <a:fld id="{BAB971F1-0A24-473E-8A66-D77E329B588E}" type="datetimeFigureOut">
               <a:rPr lang="tr-TR" smtClean="0"/>
-              <a:t>4.07.2019</a:t>
+              <a:t>16.07.2019</a:t>
             </a:fld>
             <a:endParaRPr lang="tr-TR"/>
           </a:p>
@@ -1806,7 +1806,7 @@
           <a:p>
             <a:fld id="{BAB971F1-0A24-473E-8A66-D77E329B588E}" type="datetimeFigureOut">
               <a:rPr lang="tr-TR" smtClean="0"/>
-              <a:t>4.07.2019</a:t>
+              <a:t>16.07.2019</a:t>
             </a:fld>
             <a:endParaRPr lang="tr-TR"/>
           </a:p>
@@ -2218,7 +2218,7 @@
           <a:p>
             <a:fld id="{BAB971F1-0A24-473E-8A66-D77E329B588E}" type="datetimeFigureOut">
               <a:rPr lang="tr-TR" smtClean="0"/>
-              <a:t>4.07.2019</a:t>
+              <a:t>16.07.2019</a:t>
             </a:fld>
             <a:endParaRPr lang="tr-TR"/>
           </a:p>
@@ -2359,7 +2359,7 @@
           <a:p>
             <a:fld id="{BAB971F1-0A24-473E-8A66-D77E329B588E}" type="datetimeFigureOut">
               <a:rPr lang="tr-TR" smtClean="0"/>
-              <a:t>4.07.2019</a:t>
+              <a:t>16.07.2019</a:t>
             </a:fld>
             <a:endParaRPr lang="tr-TR"/>
           </a:p>
@@ -2472,7 +2472,7 @@
           <a:p>
             <a:fld id="{BAB971F1-0A24-473E-8A66-D77E329B588E}" type="datetimeFigureOut">
               <a:rPr lang="tr-TR" smtClean="0"/>
-              <a:t>4.07.2019</a:t>
+              <a:t>16.07.2019</a:t>
             </a:fld>
             <a:endParaRPr lang="tr-TR"/>
           </a:p>
@@ -2783,7 +2783,7 @@
           <a:p>
             <a:fld id="{BAB971F1-0A24-473E-8A66-D77E329B588E}" type="datetimeFigureOut">
               <a:rPr lang="tr-TR" smtClean="0"/>
-              <a:t>4.07.2019</a:t>
+              <a:t>16.07.2019</a:t>
             </a:fld>
             <a:endParaRPr lang="tr-TR"/>
           </a:p>
@@ -3071,7 +3071,7 @@
           <a:p>
             <a:fld id="{BAB971F1-0A24-473E-8A66-D77E329B588E}" type="datetimeFigureOut">
               <a:rPr lang="tr-TR" smtClean="0"/>
-              <a:t>4.07.2019</a:t>
+              <a:t>16.07.2019</a:t>
             </a:fld>
             <a:endParaRPr lang="tr-TR"/>
           </a:p>
@@ -3312,7 +3312,7 @@
           <a:p>
             <a:fld id="{BAB971F1-0A24-473E-8A66-D77E329B588E}" type="datetimeFigureOut">
               <a:rPr lang="tr-TR" smtClean="0"/>
-              <a:t>4.07.2019</a:t>
+              <a:t>16.07.2019</a:t>
             </a:fld>
             <a:endParaRPr lang="tr-TR"/>
           </a:p>
@@ -7327,7 +7327,7 @@
           <p:nvPr>
             <p:extLst>
               <p:ext uri="{D42A27DB-BD31-4B8C-83A1-F6EECF244321}">
-                <p14:modId xmlns:p14="http://schemas.microsoft.com/office/powerpoint/2010/main" val="2911641826"/>
+                <p14:modId xmlns:p14="http://schemas.microsoft.com/office/powerpoint/2010/main" val="105778266"/>
               </p:ext>
             </p:extLst>
           </p:nvPr>
@@ -8537,7 +8537,7 @@
                         <a:rPr lang="tr-TR" sz="2000" dirty="0">
                           <a:effectLst/>
                         </a:rPr>
-                        <a:t>02, 04, 09 Temmuz 2019</a:t>
+                        <a:t>02, 04, 16 Temmuz 2019</a:t>
                       </a:r>
                       <a:endParaRPr lang="tr-TR" sz="2000" dirty="0">
                         <a:effectLst/>
@@ -8660,7 +8660,7 @@
                         <a:rPr lang="tr-TR" sz="2000" dirty="0">
                           <a:effectLst/>
                         </a:rPr>
-                        <a:t>10 Temmuz 2019</a:t>
+                        <a:t>17 Temmuz 2019</a:t>
                       </a:r>
                       <a:endParaRPr lang="tr-TR" sz="2000" dirty="0">
                         <a:effectLst/>
@@ -8780,10 +8780,16 @@
                         </a:spcAft>
                       </a:pPr>
                       <a:r>
+                        <a:rPr lang="tr-TR" sz="2000">
+                          <a:effectLst/>
+                        </a:rPr>
+                        <a:t>23, 24, 25 Temmuz </a:t>
+                      </a:r>
+                      <a:r>
                         <a:rPr lang="tr-TR" sz="2000" dirty="0">
                           <a:effectLst/>
                         </a:rPr>
-                        <a:t>11, 16, 17 Temmuz 2019</a:t>
+                        <a:t>2019</a:t>
                       </a:r>
                       <a:endParaRPr lang="tr-TR" sz="2000" dirty="0">
                         <a:effectLst/>

--- a/acilis_sunumu.pptx
+++ b/acilis_sunumu.pptx
@@ -138,7 +138,7 @@
   <pc:docChgLst>
     <pc:chgData name="Erkan ŞİRİN" userId="7f10ce1d6aaf8c5d" providerId="LiveId" clId="{1BFD029C-DFCC-425B-8851-621E66778794}"/>
     <pc:docChg chg="custSel addSld modSld">
-      <pc:chgData name="Erkan ŞİRİN" userId="7f10ce1d6aaf8c5d" providerId="LiveId" clId="{1BFD029C-DFCC-425B-8851-621E66778794}" dt="2019-07-16T06:16:42.640" v="76" actId="20577"/>
+      <pc:chgData name="Erkan ŞİRİN" userId="7f10ce1d6aaf8c5d" providerId="LiveId" clId="{1BFD029C-DFCC-425B-8851-621E66778794}" dt="2019-07-17T06:37:01.991" v="80" actId="108"/>
       <pc:docMkLst>
         <pc:docMk/>
       </pc:docMkLst>
@@ -181,13 +181,13 @@
         </pc:graphicFrameChg>
       </pc:sldChg>
       <pc:sldChg chg="modSp">
-        <pc:chgData name="Erkan ŞİRİN" userId="7f10ce1d6aaf8c5d" providerId="LiveId" clId="{1BFD029C-DFCC-425B-8851-621E66778794}" dt="2019-07-16T06:16:42.640" v="76" actId="20577"/>
+        <pc:chgData name="Erkan ŞİRİN" userId="7f10ce1d6aaf8c5d" providerId="LiveId" clId="{1BFD029C-DFCC-425B-8851-621E66778794}" dt="2019-07-17T06:37:01.991" v="80" actId="108"/>
         <pc:sldMkLst>
           <pc:docMk/>
           <pc:sldMk cId="2360627406" sldId="334"/>
         </pc:sldMkLst>
-        <pc:graphicFrameChg chg="modGraphic">
-          <ac:chgData name="Erkan ŞİRİN" userId="7f10ce1d6aaf8c5d" providerId="LiveId" clId="{1BFD029C-DFCC-425B-8851-621E66778794}" dt="2019-07-16T06:16:42.640" v="76" actId="20577"/>
+        <pc:graphicFrameChg chg="mod modGraphic">
+          <ac:chgData name="Erkan ŞİRİN" userId="7f10ce1d6aaf8c5d" providerId="LiveId" clId="{1BFD029C-DFCC-425B-8851-621E66778794}" dt="2019-07-17T06:37:01.991" v="80" actId="108"/>
           <ac:graphicFrameMkLst>
             <pc:docMk/>
             <pc:sldMk cId="2360627406" sldId="334"/>
@@ -662,7 +662,7 @@
           <a:p>
             <a:fld id="{BAB971F1-0A24-473E-8A66-D77E329B588E}" type="datetimeFigureOut">
               <a:rPr lang="tr-TR" smtClean="0"/>
-              <a:t>16.07.2019</a:t>
+              <a:t>17.07.2019</a:t>
             </a:fld>
             <a:endParaRPr lang="tr-TR"/>
           </a:p>
@@ -860,7 +860,7 @@
           <a:p>
             <a:fld id="{BAB971F1-0A24-473E-8A66-D77E329B588E}" type="datetimeFigureOut">
               <a:rPr lang="tr-TR" smtClean="0"/>
-              <a:t>16.07.2019</a:t>
+              <a:t>17.07.2019</a:t>
             </a:fld>
             <a:endParaRPr lang="tr-TR"/>
           </a:p>
@@ -1068,7 +1068,7 @@
           <a:p>
             <a:fld id="{BAB971F1-0A24-473E-8A66-D77E329B588E}" type="datetimeFigureOut">
               <a:rPr lang="tr-TR" smtClean="0"/>
-              <a:t>16.07.2019</a:t>
+              <a:t>17.07.2019</a:t>
             </a:fld>
             <a:endParaRPr lang="tr-TR"/>
           </a:p>
@@ -1266,7 +1266,7 @@
           <a:p>
             <a:fld id="{BAB971F1-0A24-473E-8A66-D77E329B588E}" type="datetimeFigureOut">
               <a:rPr lang="tr-TR" smtClean="0"/>
-              <a:t>16.07.2019</a:t>
+              <a:t>17.07.2019</a:t>
             </a:fld>
             <a:endParaRPr lang="tr-TR"/>
           </a:p>
@@ -1541,7 +1541,7 @@
           <a:p>
             <a:fld id="{BAB971F1-0A24-473E-8A66-D77E329B588E}" type="datetimeFigureOut">
               <a:rPr lang="tr-TR" smtClean="0"/>
-              <a:t>16.07.2019</a:t>
+              <a:t>17.07.2019</a:t>
             </a:fld>
             <a:endParaRPr lang="tr-TR"/>
           </a:p>
@@ -1806,7 +1806,7 @@
           <a:p>
             <a:fld id="{BAB971F1-0A24-473E-8A66-D77E329B588E}" type="datetimeFigureOut">
               <a:rPr lang="tr-TR" smtClean="0"/>
-              <a:t>16.07.2019</a:t>
+              <a:t>17.07.2019</a:t>
             </a:fld>
             <a:endParaRPr lang="tr-TR"/>
           </a:p>
@@ -2218,7 +2218,7 @@
           <a:p>
             <a:fld id="{BAB971F1-0A24-473E-8A66-D77E329B588E}" type="datetimeFigureOut">
               <a:rPr lang="tr-TR" smtClean="0"/>
-              <a:t>16.07.2019</a:t>
+              <a:t>17.07.2019</a:t>
             </a:fld>
             <a:endParaRPr lang="tr-TR"/>
           </a:p>
@@ -2359,7 +2359,7 @@
           <a:p>
             <a:fld id="{BAB971F1-0A24-473E-8A66-D77E329B588E}" type="datetimeFigureOut">
               <a:rPr lang="tr-TR" smtClean="0"/>
-              <a:t>16.07.2019</a:t>
+              <a:t>17.07.2019</a:t>
             </a:fld>
             <a:endParaRPr lang="tr-TR"/>
           </a:p>
@@ -2472,7 +2472,7 @@
           <a:p>
             <a:fld id="{BAB971F1-0A24-473E-8A66-D77E329B588E}" type="datetimeFigureOut">
               <a:rPr lang="tr-TR" smtClean="0"/>
-              <a:t>16.07.2019</a:t>
+              <a:t>17.07.2019</a:t>
             </a:fld>
             <a:endParaRPr lang="tr-TR"/>
           </a:p>
@@ -2783,7 +2783,7 @@
           <a:p>
             <a:fld id="{BAB971F1-0A24-473E-8A66-D77E329B588E}" type="datetimeFigureOut">
               <a:rPr lang="tr-TR" smtClean="0"/>
-              <a:t>16.07.2019</a:t>
+              <a:t>17.07.2019</a:t>
             </a:fld>
             <a:endParaRPr lang="tr-TR"/>
           </a:p>
@@ -3071,7 +3071,7 @@
           <a:p>
             <a:fld id="{BAB971F1-0A24-473E-8A66-D77E329B588E}" type="datetimeFigureOut">
               <a:rPr lang="tr-TR" smtClean="0"/>
-              <a:t>16.07.2019</a:t>
+              <a:t>17.07.2019</a:t>
             </a:fld>
             <a:endParaRPr lang="tr-TR"/>
           </a:p>
@@ -3312,7 +3312,7 @@
           <a:p>
             <a:fld id="{BAB971F1-0A24-473E-8A66-D77E329B588E}" type="datetimeFigureOut">
               <a:rPr lang="tr-TR" smtClean="0"/>
-              <a:t>16.07.2019</a:t>
+              <a:t>17.07.2019</a:t>
             </a:fld>
             <a:endParaRPr lang="tr-TR"/>
           </a:p>
@@ -7327,7 +7327,7 @@
           <p:nvPr>
             <p:extLst>
               <p:ext uri="{D42A27DB-BD31-4B8C-83A1-F6EECF244321}">
-                <p14:modId xmlns:p14="http://schemas.microsoft.com/office/powerpoint/2010/main" val="105778266"/>
+                <p14:modId xmlns:p14="http://schemas.microsoft.com/office/powerpoint/2010/main" val="20466639"/>
               </p:ext>
             </p:extLst>
           </p:nvPr>
@@ -8066,7 +8066,7 @@
                   </a:ext>
                 </a:extLst>
               </a:tr>
-              <a:tr h="345926">
+              <a:tr h="909237">
                 <a:tc>
                   <a:txBody>
                     <a:bodyPr/>
@@ -8447,17 +8447,19 @@
                         </a:spcAft>
                       </a:pPr>
                       <a:r>
-                        <a:rPr lang="tr-TR" sz="2000">
-                          <a:effectLst/>
+                        <a:rPr lang="tr-TR" sz="2000" kern="1200" dirty="0">
+                          <a:solidFill>
+                            <a:schemeClr val="bg1">
+                              <a:lumMod val="75000"/>
+                            </a:schemeClr>
+                          </a:solidFill>
+                          <a:effectLst/>
+                          <a:latin typeface="+mn-lt"/>
+                          <a:ea typeface="+mn-ea"/>
+                          <a:cs typeface="+mn-cs"/>
                         </a:rPr>
                         <a:t>5.</a:t>
                       </a:r>
-                      <a:endParaRPr lang="tr-TR" sz="2000">
-                        <a:effectLst/>
-                        <a:latin typeface="Calibri" panose="020F0502020204030204" pitchFamily="34" charset="0"/>
-                        <a:ea typeface="Calibri" panose="020F0502020204030204" pitchFamily="34" charset="0"/>
-                        <a:cs typeface="Times New Roman" panose="02020603050405020304" pitchFamily="18" charset="0"/>
-                      </a:endParaRPr>
                     </a:p>
                   </a:txBody>
                   <a:tcPr marL="68580" marR="68580" marT="0" marB="0" anchor="ctr"/>
@@ -8476,17 +8478,19 @@
                         </a:spcAft>
                       </a:pPr>
                       <a:r>
-                        <a:rPr lang="tr-TR" sz="2000" dirty="0">
-                          <a:effectLst/>
+                        <a:rPr lang="tr-TR" sz="2000" kern="1200" dirty="0">
+                          <a:solidFill>
+                            <a:schemeClr val="bg1">
+                              <a:lumMod val="75000"/>
+                            </a:schemeClr>
+                          </a:solidFill>
+                          <a:effectLst/>
+                          <a:latin typeface="+mn-lt"/>
+                          <a:ea typeface="+mn-ea"/>
+                          <a:cs typeface="+mn-cs"/>
                         </a:rPr>
                         <a:t>Machine Learning (Makine Öğrenmesi)</a:t>
                       </a:r>
-                      <a:endParaRPr lang="tr-TR" sz="2000" dirty="0">
-                        <a:effectLst/>
-                        <a:latin typeface="Calibri" panose="020F0502020204030204" pitchFamily="34" charset="0"/>
-                        <a:ea typeface="Calibri" panose="020F0502020204030204" pitchFamily="34" charset="0"/>
-                        <a:cs typeface="Times New Roman" panose="02020603050405020304" pitchFamily="18" charset="0"/>
-                      </a:endParaRPr>
                     </a:p>
                   </a:txBody>
                   <a:tcPr marL="68580" marR="68580" marT="0" marB="0" anchor="ctr"/>
@@ -8505,17 +8509,19 @@
                         </a:spcAft>
                       </a:pPr>
                       <a:r>
-                        <a:rPr lang="tr-TR" sz="2000" dirty="0">
-                          <a:effectLst/>
+                        <a:rPr lang="tr-TR" sz="2000" kern="1200" dirty="0">
+                          <a:solidFill>
+                            <a:schemeClr val="bg1">
+                              <a:lumMod val="75000"/>
+                            </a:schemeClr>
+                          </a:solidFill>
+                          <a:effectLst/>
+                          <a:latin typeface="+mn-lt"/>
+                          <a:ea typeface="+mn-ea"/>
+                          <a:cs typeface="+mn-cs"/>
                         </a:rPr>
                         <a:t>3 GÜN</a:t>
                       </a:r>
-                      <a:endParaRPr lang="tr-TR" sz="2000" dirty="0">
-                        <a:effectLst/>
-                        <a:latin typeface="Calibri" panose="020F0502020204030204" pitchFamily="34" charset="0"/>
-                        <a:ea typeface="Calibri" panose="020F0502020204030204" pitchFamily="34" charset="0"/>
-                        <a:cs typeface="Times New Roman" panose="02020603050405020304" pitchFamily="18" charset="0"/>
-                      </a:endParaRPr>
                     </a:p>
                   </a:txBody>
                   <a:tcPr marL="68580" marR="68580" marT="0" marB="0" anchor="ctr"/>
@@ -8534,17 +8540,19 @@
                         </a:spcAft>
                       </a:pPr>
                       <a:r>
-                        <a:rPr lang="tr-TR" sz="2000" dirty="0">
-                          <a:effectLst/>
+                        <a:rPr lang="tr-TR" sz="2000" kern="1200" dirty="0">
+                          <a:solidFill>
+                            <a:schemeClr val="bg1">
+                              <a:lumMod val="75000"/>
+                            </a:schemeClr>
+                          </a:solidFill>
+                          <a:effectLst/>
+                          <a:latin typeface="+mn-lt"/>
+                          <a:ea typeface="+mn-ea"/>
+                          <a:cs typeface="+mn-cs"/>
                         </a:rPr>
                         <a:t>02, 04, 16 Temmuz 2019</a:t>
                       </a:r>
-                      <a:endParaRPr lang="tr-TR" sz="2000" dirty="0">
-                        <a:effectLst/>
-                        <a:latin typeface="Calibri" panose="020F0502020204030204" pitchFamily="34" charset="0"/>
-                        <a:ea typeface="Calibri" panose="020F0502020204030204" pitchFamily="34" charset="0"/>
-                        <a:cs typeface="Times New Roman" panose="02020603050405020304" pitchFamily="18" charset="0"/>
-                      </a:endParaRPr>
                     </a:p>
                   </a:txBody>
                   <a:tcPr marL="68580" marR="68580" marT="0" marB="0" anchor="ctr"/>
@@ -8599,12 +8607,18 @@
                         </a:spcAft>
                       </a:pPr>
                       <a:r>
-                        <a:rPr lang="tr-TR" sz="2000">
-                          <a:effectLst/>
-                        </a:rPr>
-                        <a:t>Deep Learning (Derin Öğrenme)</a:t>
-                      </a:r>
-                      <a:endParaRPr lang="tr-TR" sz="2000">
+                        <a:rPr lang="tr-TR" sz="2000" dirty="0" err="1">
+                          <a:effectLst/>
+                        </a:rPr>
+                        <a:t>Deep</a:t>
+                      </a:r>
+                      <a:r>
+                        <a:rPr lang="tr-TR" sz="2000" dirty="0">
+                          <a:effectLst/>
+                        </a:rPr>
+                        <a:t> Learning (Derin Öğrenme)</a:t>
+                      </a:r>
+                      <a:endParaRPr lang="tr-TR" sz="2000" dirty="0">
                         <a:effectLst/>
                         <a:latin typeface="Calibri" panose="020F0502020204030204" pitchFamily="34" charset="0"/>
                         <a:ea typeface="Calibri" panose="020F0502020204030204" pitchFamily="34" charset="0"/>
@@ -8628,12 +8642,12 @@
                         </a:spcAft>
                       </a:pPr>
                       <a:r>
-                        <a:rPr lang="tr-TR" sz="2000">
+                        <a:rPr lang="tr-TR" sz="2000" dirty="0">
                           <a:effectLst/>
                         </a:rPr>
                         <a:t>1 GÜN</a:t>
                       </a:r>
-                      <a:endParaRPr lang="tr-TR" sz="2000">
+                      <a:endParaRPr lang="tr-TR" sz="2000" dirty="0">
                         <a:effectLst/>
                         <a:latin typeface="Calibri" panose="020F0502020204030204" pitchFamily="34" charset="0"/>
                         <a:ea typeface="Calibri" panose="020F0502020204030204" pitchFamily="34" charset="0"/>

--- a/acilis_sunumu.pptx
+++ b/acilis_sunumu.pptx
@@ -138,7 +138,7 @@
   <pc:docChgLst>
     <pc:chgData name="Erkan ŞİRİN" userId="7f10ce1d6aaf8c5d" providerId="LiveId" clId="{1BFD029C-DFCC-425B-8851-621E66778794}"/>
     <pc:docChg chg="custSel addSld modSld">
-      <pc:chgData name="Erkan ŞİRİN" userId="7f10ce1d6aaf8c5d" providerId="LiveId" clId="{1BFD029C-DFCC-425B-8851-621E66778794}" dt="2019-07-17T06:37:01.991" v="80" actId="108"/>
+      <pc:chgData name="Erkan ŞİRİN" userId="7f10ce1d6aaf8c5d" providerId="LiveId" clId="{1BFD029C-DFCC-425B-8851-621E66778794}" dt="2019-07-23T06:08:03.694" v="82" actId="108"/>
       <pc:docMkLst>
         <pc:docMk/>
       </pc:docMkLst>
@@ -181,13 +181,13 @@
         </pc:graphicFrameChg>
       </pc:sldChg>
       <pc:sldChg chg="modSp">
-        <pc:chgData name="Erkan ŞİRİN" userId="7f10ce1d6aaf8c5d" providerId="LiveId" clId="{1BFD029C-DFCC-425B-8851-621E66778794}" dt="2019-07-17T06:37:01.991" v="80" actId="108"/>
+        <pc:chgData name="Erkan ŞİRİN" userId="7f10ce1d6aaf8c5d" providerId="LiveId" clId="{1BFD029C-DFCC-425B-8851-621E66778794}" dt="2019-07-23T06:08:03.694" v="82" actId="108"/>
         <pc:sldMkLst>
           <pc:docMk/>
           <pc:sldMk cId="2360627406" sldId="334"/>
         </pc:sldMkLst>
         <pc:graphicFrameChg chg="mod modGraphic">
-          <ac:chgData name="Erkan ŞİRİN" userId="7f10ce1d6aaf8c5d" providerId="LiveId" clId="{1BFD029C-DFCC-425B-8851-621E66778794}" dt="2019-07-17T06:37:01.991" v="80" actId="108"/>
+          <ac:chgData name="Erkan ŞİRİN" userId="7f10ce1d6aaf8c5d" providerId="LiveId" clId="{1BFD029C-DFCC-425B-8851-621E66778794}" dt="2019-07-23T06:08:03.694" v="82" actId="108"/>
           <ac:graphicFrameMkLst>
             <pc:docMk/>
             <pc:sldMk cId="2360627406" sldId="334"/>
@@ -662,7 +662,7 @@
           <a:p>
             <a:fld id="{BAB971F1-0A24-473E-8A66-D77E329B588E}" type="datetimeFigureOut">
               <a:rPr lang="tr-TR" smtClean="0"/>
-              <a:t>17.07.2019</a:t>
+              <a:t>23.07.2019</a:t>
             </a:fld>
             <a:endParaRPr lang="tr-TR"/>
           </a:p>
@@ -860,7 +860,7 @@
           <a:p>
             <a:fld id="{BAB971F1-0A24-473E-8A66-D77E329B588E}" type="datetimeFigureOut">
               <a:rPr lang="tr-TR" smtClean="0"/>
-              <a:t>17.07.2019</a:t>
+              <a:t>23.07.2019</a:t>
             </a:fld>
             <a:endParaRPr lang="tr-TR"/>
           </a:p>
@@ -1068,7 +1068,7 @@
           <a:p>
             <a:fld id="{BAB971F1-0A24-473E-8A66-D77E329B588E}" type="datetimeFigureOut">
               <a:rPr lang="tr-TR" smtClean="0"/>
-              <a:t>17.07.2019</a:t>
+              <a:t>23.07.2019</a:t>
             </a:fld>
             <a:endParaRPr lang="tr-TR"/>
           </a:p>
@@ -1266,7 +1266,7 @@
           <a:p>
             <a:fld id="{BAB971F1-0A24-473E-8A66-D77E329B588E}" type="datetimeFigureOut">
               <a:rPr lang="tr-TR" smtClean="0"/>
-              <a:t>17.07.2019</a:t>
+              <a:t>23.07.2019</a:t>
             </a:fld>
             <a:endParaRPr lang="tr-TR"/>
           </a:p>
@@ -1541,7 +1541,7 @@
           <a:p>
             <a:fld id="{BAB971F1-0A24-473E-8A66-D77E329B588E}" type="datetimeFigureOut">
               <a:rPr lang="tr-TR" smtClean="0"/>
-              <a:t>17.07.2019</a:t>
+              <a:t>23.07.2019</a:t>
             </a:fld>
             <a:endParaRPr lang="tr-TR"/>
           </a:p>
@@ -1806,7 +1806,7 @@
           <a:p>
             <a:fld id="{BAB971F1-0A24-473E-8A66-D77E329B588E}" type="datetimeFigureOut">
               <a:rPr lang="tr-TR" smtClean="0"/>
-              <a:t>17.07.2019</a:t>
+              <a:t>23.07.2019</a:t>
             </a:fld>
             <a:endParaRPr lang="tr-TR"/>
           </a:p>
@@ -2218,7 +2218,7 @@
           <a:p>
             <a:fld id="{BAB971F1-0A24-473E-8A66-D77E329B588E}" type="datetimeFigureOut">
               <a:rPr lang="tr-TR" smtClean="0"/>
-              <a:t>17.07.2019</a:t>
+              <a:t>23.07.2019</a:t>
             </a:fld>
             <a:endParaRPr lang="tr-TR"/>
           </a:p>
@@ -2359,7 +2359,7 @@
           <a:p>
             <a:fld id="{BAB971F1-0A24-473E-8A66-D77E329B588E}" type="datetimeFigureOut">
               <a:rPr lang="tr-TR" smtClean="0"/>
-              <a:t>17.07.2019</a:t>
+              <a:t>23.07.2019</a:t>
             </a:fld>
             <a:endParaRPr lang="tr-TR"/>
           </a:p>
@@ -2472,7 +2472,7 @@
           <a:p>
             <a:fld id="{BAB971F1-0A24-473E-8A66-D77E329B588E}" type="datetimeFigureOut">
               <a:rPr lang="tr-TR" smtClean="0"/>
-              <a:t>17.07.2019</a:t>
+              <a:t>23.07.2019</a:t>
             </a:fld>
             <a:endParaRPr lang="tr-TR"/>
           </a:p>
@@ -2783,7 +2783,7 @@
           <a:p>
             <a:fld id="{BAB971F1-0A24-473E-8A66-D77E329B588E}" type="datetimeFigureOut">
               <a:rPr lang="tr-TR" smtClean="0"/>
-              <a:t>17.07.2019</a:t>
+              <a:t>23.07.2019</a:t>
             </a:fld>
             <a:endParaRPr lang="tr-TR"/>
           </a:p>
@@ -3071,7 +3071,7 @@
           <a:p>
             <a:fld id="{BAB971F1-0A24-473E-8A66-D77E329B588E}" type="datetimeFigureOut">
               <a:rPr lang="tr-TR" smtClean="0"/>
-              <a:t>17.07.2019</a:t>
+              <a:t>23.07.2019</a:t>
             </a:fld>
             <a:endParaRPr lang="tr-TR"/>
           </a:p>
@@ -3312,7 +3312,7 @@
           <a:p>
             <a:fld id="{BAB971F1-0A24-473E-8A66-D77E329B588E}" type="datetimeFigureOut">
               <a:rPr lang="tr-TR" smtClean="0"/>
-              <a:t>17.07.2019</a:t>
+              <a:t>23.07.2019</a:t>
             </a:fld>
             <a:endParaRPr lang="tr-TR"/>
           </a:p>
@@ -7327,7 +7327,7 @@
           <p:nvPr>
             <p:extLst>
               <p:ext uri="{D42A27DB-BD31-4B8C-83A1-F6EECF244321}">
-                <p14:modId xmlns:p14="http://schemas.microsoft.com/office/powerpoint/2010/main" val="20466639"/>
+                <p14:modId xmlns:p14="http://schemas.microsoft.com/office/powerpoint/2010/main" val="2130679386"/>
               </p:ext>
             </p:extLst>
           </p:nvPr>
@@ -8578,17 +8578,19 @@
                         </a:spcAft>
                       </a:pPr>
                       <a:r>
-                        <a:rPr lang="tr-TR" sz="2000">
-                          <a:effectLst/>
+                        <a:rPr lang="tr-TR" sz="2000" kern="1200" dirty="0">
+                          <a:solidFill>
+                            <a:schemeClr val="bg1">
+                              <a:lumMod val="75000"/>
+                            </a:schemeClr>
+                          </a:solidFill>
+                          <a:effectLst/>
+                          <a:latin typeface="+mn-lt"/>
+                          <a:ea typeface="+mn-ea"/>
+                          <a:cs typeface="+mn-cs"/>
                         </a:rPr>
                         <a:t>6.</a:t>
                       </a:r>
-                      <a:endParaRPr lang="tr-TR" sz="2000">
-                        <a:effectLst/>
-                        <a:latin typeface="Calibri" panose="020F0502020204030204" pitchFamily="34" charset="0"/>
-                        <a:ea typeface="Calibri" panose="020F0502020204030204" pitchFamily="34" charset="0"/>
-                        <a:cs typeface="Times New Roman" panose="02020603050405020304" pitchFamily="18" charset="0"/>
-                      </a:endParaRPr>
                     </a:p>
                   </a:txBody>
                   <a:tcPr marL="68580" marR="68580" marT="0" marB="0" anchor="ctr"/>
@@ -8607,23 +8609,33 @@
                         </a:spcAft>
                       </a:pPr>
                       <a:r>
-                        <a:rPr lang="tr-TR" sz="2000" dirty="0" err="1">
-                          <a:effectLst/>
+                        <a:rPr lang="tr-TR" sz="2000" kern="1200" dirty="0" err="1">
+                          <a:solidFill>
+                            <a:schemeClr val="bg1">
+                              <a:lumMod val="75000"/>
+                            </a:schemeClr>
+                          </a:solidFill>
+                          <a:effectLst/>
+                          <a:latin typeface="+mn-lt"/>
+                          <a:ea typeface="+mn-ea"/>
+                          <a:cs typeface="+mn-cs"/>
                         </a:rPr>
                         <a:t>Deep</a:t>
                       </a:r>
                       <a:r>
-                        <a:rPr lang="tr-TR" sz="2000" dirty="0">
-                          <a:effectLst/>
+                        <a:rPr lang="tr-TR" sz="2000" kern="1200" dirty="0">
+                          <a:solidFill>
+                            <a:schemeClr val="bg1">
+                              <a:lumMod val="75000"/>
+                            </a:schemeClr>
+                          </a:solidFill>
+                          <a:effectLst/>
+                          <a:latin typeface="+mn-lt"/>
+                          <a:ea typeface="+mn-ea"/>
+                          <a:cs typeface="+mn-cs"/>
                         </a:rPr>
                         <a:t> Learning (Derin Öğrenme)</a:t>
                       </a:r>
-                      <a:endParaRPr lang="tr-TR" sz="2000" dirty="0">
-                        <a:effectLst/>
-                        <a:latin typeface="Calibri" panose="020F0502020204030204" pitchFamily="34" charset="0"/>
-                        <a:ea typeface="Calibri" panose="020F0502020204030204" pitchFamily="34" charset="0"/>
-                        <a:cs typeface="Times New Roman" panose="02020603050405020304" pitchFamily="18" charset="0"/>
-                      </a:endParaRPr>
                     </a:p>
                   </a:txBody>
                   <a:tcPr marL="68580" marR="68580" marT="0" marB="0" anchor="ctr"/>
@@ -8642,17 +8654,19 @@
                         </a:spcAft>
                       </a:pPr>
                       <a:r>
-                        <a:rPr lang="tr-TR" sz="2000" dirty="0">
-                          <a:effectLst/>
+                        <a:rPr lang="tr-TR" sz="2000" kern="1200" dirty="0">
+                          <a:solidFill>
+                            <a:schemeClr val="bg1">
+                              <a:lumMod val="75000"/>
+                            </a:schemeClr>
+                          </a:solidFill>
+                          <a:effectLst/>
+                          <a:latin typeface="+mn-lt"/>
+                          <a:ea typeface="+mn-ea"/>
+                          <a:cs typeface="+mn-cs"/>
                         </a:rPr>
                         <a:t>1 GÜN</a:t>
                       </a:r>
-                      <a:endParaRPr lang="tr-TR" sz="2000" dirty="0">
-                        <a:effectLst/>
-                        <a:latin typeface="Calibri" panose="020F0502020204030204" pitchFamily="34" charset="0"/>
-                        <a:ea typeface="Calibri" panose="020F0502020204030204" pitchFamily="34" charset="0"/>
-                        <a:cs typeface="Times New Roman" panose="02020603050405020304" pitchFamily="18" charset="0"/>
-                      </a:endParaRPr>
                     </a:p>
                   </a:txBody>
                   <a:tcPr marL="68580" marR="68580" marT="0" marB="0" anchor="ctr"/>
@@ -8671,17 +8685,19 @@
                         </a:spcAft>
                       </a:pPr>
                       <a:r>
-                        <a:rPr lang="tr-TR" sz="2000" dirty="0">
-                          <a:effectLst/>
+                        <a:rPr lang="tr-TR" sz="2000" kern="1200" dirty="0">
+                          <a:solidFill>
+                            <a:schemeClr val="bg1">
+                              <a:lumMod val="75000"/>
+                            </a:schemeClr>
+                          </a:solidFill>
+                          <a:effectLst/>
+                          <a:latin typeface="+mn-lt"/>
+                          <a:ea typeface="+mn-ea"/>
+                          <a:cs typeface="+mn-cs"/>
                         </a:rPr>
                         <a:t>17 Temmuz 2019</a:t>
                       </a:r>
-                      <a:endParaRPr lang="tr-TR" sz="2000" dirty="0">
-                        <a:effectLst/>
-                        <a:latin typeface="Calibri" panose="020F0502020204030204" pitchFamily="34" charset="0"/>
-                        <a:ea typeface="Calibri" panose="020F0502020204030204" pitchFamily="34" charset="0"/>
-                        <a:cs typeface="Times New Roman" panose="02020603050405020304" pitchFamily="18" charset="0"/>
-                      </a:endParaRPr>
                     </a:p>
                   </a:txBody>
                   <a:tcPr marL="68580" marR="68580" marT="0" marB="0" anchor="ctr"/>
@@ -8736,10 +8752,45 @@
                         </a:spcAft>
                       </a:pPr>
                       <a:r>
+                        <a:rPr lang="tr-TR" sz="2000" dirty="0" err="1">
+                          <a:effectLst/>
+                        </a:rPr>
+                        <a:t>Big</a:t>
+                      </a:r>
+                      <a:r>
+                        <a:rPr lang="tr-TR" sz="2000" dirty="0">
+                          <a:effectLst/>
+                        </a:rPr>
+                        <a:t> Data (Büyük Veri)</a:t>
+                      </a:r>
+                      <a:endParaRPr lang="tr-TR" sz="2000" dirty="0">
+                        <a:effectLst/>
+                        <a:latin typeface="Calibri" panose="020F0502020204030204" pitchFamily="34" charset="0"/>
+                        <a:ea typeface="Calibri" panose="020F0502020204030204" pitchFamily="34" charset="0"/>
+                        <a:cs typeface="Times New Roman" panose="02020603050405020304" pitchFamily="18" charset="0"/>
+                      </a:endParaRPr>
+                    </a:p>
+                  </a:txBody>
+                  <a:tcPr marL="68580" marR="68580" marT="0" marB="0" anchor="ctr"/>
+                </a:tc>
+                <a:tc>
+                  <a:txBody>
+                    <a:bodyPr/>
+                    <a:lstStyle/>
+                    <a:p>
+                      <a:pPr algn="r">
+                        <a:lnSpc>
+                          <a:spcPct val="107000"/>
+                        </a:lnSpc>
+                        <a:spcAft>
+                          <a:spcPts val="0"/>
+                        </a:spcAft>
+                      </a:pPr>
+                      <a:r>
                         <a:rPr lang="tr-TR" sz="2000">
                           <a:effectLst/>
                         </a:rPr>
-                        <a:t>Big Data (Büyük Veri)</a:t>
+                        <a:t>3 GÜN</a:t>
                       </a:r>
                       <a:endParaRPr lang="tr-TR" sz="2000">
                         <a:effectLst/>
@@ -8765,45 +8816,10 @@
                         </a:spcAft>
                       </a:pPr>
                       <a:r>
-                        <a:rPr lang="tr-TR" sz="2000">
-                          <a:effectLst/>
-                        </a:rPr>
-                        <a:t>3 GÜN</a:t>
-                      </a:r>
-                      <a:endParaRPr lang="tr-TR" sz="2000">
-                        <a:effectLst/>
-                        <a:latin typeface="Calibri" panose="020F0502020204030204" pitchFamily="34" charset="0"/>
-                        <a:ea typeface="Calibri" panose="020F0502020204030204" pitchFamily="34" charset="0"/>
-                        <a:cs typeface="Times New Roman" panose="02020603050405020304" pitchFamily="18" charset="0"/>
-                      </a:endParaRPr>
-                    </a:p>
-                  </a:txBody>
-                  <a:tcPr marL="68580" marR="68580" marT="0" marB="0" anchor="ctr"/>
-                </a:tc>
-                <a:tc>
-                  <a:txBody>
-                    <a:bodyPr/>
-                    <a:lstStyle/>
-                    <a:p>
-                      <a:pPr algn="r">
-                        <a:lnSpc>
-                          <a:spcPct val="107000"/>
-                        </a:lnSpc>
-                        <a:spcAft>
-                          <a:spcPts val="0"/>
-                        </a:spcAft>
-                      </a:pPr>
-                      <a:r>
-                        <a:rPr lang="tr-TR" sz="2000">
-                          <a:effectLst/>
-                        </a:rPr>
-                        <a:t>23, 24, 25 Temmuz </a:t>
-                      </a:r>
-                      <a:r>
                         <a:rPr lang="tr-TR" sz="2000" dirty="0">
                           <a:effectLst/>
                         </a:rPr>
-                        <a:t>2019</a:t>
+                        <a:t>23, 24, 25 Temmuz 2019</a:t>
                       </a:r>
                       <a:endParaRPr lang="tr-TR" sz="2000" dirty="0">
                         <a:effectLst/>

--- a/acilis_sunumu.pptx
+++ b/acilis_sunumu.pptx
@@ -138,7 +138,7 @@
   <pc:docChgLst>
     <pc:chgData name="Erkan ŞİRİN" userId="7f10ce1d6aaf8c5d" providerId="LiveId" clId="{1BFD029C-DFCC-425B-8851-621E66778794}"/>
     <pc:docChg chg="custSel addSld modSld">
-      <pc:chgData name="Erkan ŞİRİN" userId="7f10ce1d6aaf8c5d" providerId="LiveId" clId="{1BFD029C-DFCC-425B-8851-621E66778794}" dt="2019-07-23T06:08:03.694" v="82" actId="108"/>
+      <pc:chgData name="Erkan ŞİRİN" userId="7f10ce1d6aaf8c5d" providerId="LiveId" clId="{1BFD029C-DFCC-425B-8851-621E66778794}" dt="2019-07-26T08:28:47.370" v="91" actId="20577"/>
       <pc:docMkLst>
         <pc:docMk/>
       </pc:docMkLst>
@@ -181,13 +181,13 @@
         </pc:graphicFrameChg>
       </pc:sldChg>
       <pc:sldChg chg="modSp">
-        <pc:chgData name="Erkan ŞİRİN" userId="7f10ce1d6aaf8c5d" providerId="LiveId" clId="{1BFD029C-DFCC-425B-8851-621E66778794}" dt="2019-07-23T06:08:03.694" v="82" actId="108"/>
+        <pc:chgData name="Erkan ŞİRİN" userId="7f10ce1d6aaf8c5d" providerId="LiveId" clId="{1BFD029C-DFCC-425B-8851-621E66778794}" dt="2019-07-26T08:28:47.370" v="91" actId="20577"/>
         <pc:sldMkLst>
           <pc:docMk/>
           <pc:sldMk cId="2360627406" sldId="334"/>
         </pc:sldMkLst>
         <pc:graphicFrameChg chg="mod modGraphic">
-          <ac:chgData name="Erkan ŞİRİN" userId="7f10ce1d6aaf8c5d" providerId="LiveId" clId="{1BFD029C-DFCC-425B-8851-621E66778794}" dt="2019-07-23T06:08:03.694" v="82" actId="108"/>
+          <ac:chgData name="Erkan ŞİRİN" userId="7f10ce1d6aaf8c5d" providerId="LiveId" clId="{1BFD029C-DFCC-425B-8851-621E66778794}" dt="2019-07-26T08:28:47.370" v="91" actId="20577"/>
           <ac:graphicFrameMkLst>
             <pc:docMk/>
             <pc:sldMk cId="2360627406" sldId="334"/>
@@ -662,7 +662,7 @@
           <a:p>
             <a:fld id="{BAB971F1-0A24-473E-8A66-D77E329B588E}" type="datetimeFigureOut">
               <a:rPr lang="tr-TR" smtClean="0"/>
-              <a:t>23.07.2019</a:t>
+              <a:t>26.07.2019</a:t>
             </a:fld>
             <a:endParaRPr lang="tr-TR"/>
           </a:p>
@@ -860,7 +860,7 @@
           <a:p>
             <a:fld id="{BAB971F1-0A24-473E-8A66-D77E329B588E}" type="datetimeFigureOut">
               <a:rPr lang="tr-TR" smtClean="0"/>
-              <a:t>23.07.2019</a:t>
+              <a:t>26.07.2019</a:t>
             </a:fld>
             <a:endParaRPr lang="tr-TR"/>
           </a:p>
@@ -1068,7 +1068,7 @@
           <a:p>
             <a:fld id="{BAB971F1-0A24-473E-8A66-D77E329B588E}" type="datetimeFigureOut">
               <a:rPr lang="tr-TR" smtClean="0"/>
-              <a:t>23.07.2019</a:t>
+              <a:t>26.07.2019</a:t>
             </a:fld>
             <a:endParaRPr lang="tr-TR"/>
           </a:p>
@@ -1266,7 +1266,7 @@
           <a:p>
             <a:fld id="{BAB971F1-0A24-473E-8A66-D77E329B588E}" type="datetimeFigureOut">
               <a:rPr lang="tr-TR" smtClean="0"/>
-              <a:t>23.07.2019</a:t>
+              <a:t>26.07.2019</a:t>
             </a:fld>
             <a:endParaRPr lang="tr-TR"/>
           </a:p>
@@ -1541,7 +1541,7 @@
           <a:p>
             <a:fld id="{BAB971F1-0A24-473E-8A66-D77E329B588E}" type="datetimeFigureOut">
               <a:rPr lang="tr-TR" smtClean="0"/>
-              <a:t>23.07.2019</a:t>
+              <a:t>26.07.2019</a:t>
             </a:fld>
             <a:endParaRPr lang="tr-TR"/>
           </a:p>
@@ -1806,7 +1806,7 @@
           <a:p>
             <a:fld id="{BAB971F1-0A24-473E-8A66-D77E329B588E}" type="datetimeFigureOut">
               <a:rPr lang="tr-TR" smtClean="0"/>
-              <a:t>23.07.2019</a:t>
+              <a:t>26.07.2019</a:t>
             </a:fld>
             <a:endParaRPr lang="tr-TR"/>
           </a:p>
@@ -2218,7 +2218,7 @@
           <a:p>
             <a:fld id="{BAB971F1-0A24-473E-8A66-D77E329B588E}" type="datetimeFigureOut">
               <a:rPr lang="tr-TR" smtClean="0"/>
-              <a:t>23.07.2019</a:t>
+              <a:t>26.07.2019</a:t>
             </a:fld>
             <a:endParaRPr lang="tr-TR"/>
           </a:p>
@@ -2359,7 +2359,7 @@
           <a:p>
             <a:fld id="{BAB971F1-0A24-473E-8A66-D77E329B588E}" type="datetimeFigureOut">
               <a:rPr lang="tr-TR" smtClean="0"/>
-              <a:t>23.07.2019</a:t>
+              <a:t>26.07.2019</a:t>
             </a:fld>
             <a:endParaRPr lang="tr-TR"/>
           </a:p>
@@ -2472,7 +2472,7 @@
           <a:p>
             <a:fld id="{BAB971F1-0A24-473E-8A66-D77E329B588E}" type="datetimeFigureOut">
               <a:rPr lang="tr-TR" smtClean="0"/>
-              <a:t>23.07.2019</a:t>
+              <a:t>26.07.2019</a:t>
             </a:fld>
             <a:endParaRPr lang="tr-TR"/>
           </a:p>
@@ -2783,7 +2783,7 @@
           <a:p>
             <a:fld id="{BAB971F1-0A24-473E-8A66-D77E329B588E}" type="datetimeFigureOut">
               <a:rPr lang="tr-TR" smtClean="0"/>
-              <a:t>23.07.2019</a:t>
+              <a:t>26.07.2019</a:t>
             </a:fld>
             <a:endParaRPr lang="tr-TR"/>
           </a:p>
@@ -3071,7 +3071,7 @@
           <a:p>
             <a:fld id="{BAB971F1-0A24-473E-8A66-D77E329B588E}" type="datetimeFigureOut">
               <a:rPr lang="tr-TR" smtClean="0"/>
-              <a:t>23.07.2019</a:t>
+              <a:t>26.07.2019</a:t>
             </a:fld>
             <a:endParaRPr lang="tr-TR"/>
           </a:p>
@@ -3312,7 +3312,7 @@
           <a:p>
             <a:fld id="{BAB971F1-0A24-473E-8A66-D77E329B588E}" type="datetimeFigureOut">
               <a:rPr lang="tr-TR" smtClean="0"/>
-              <a:t>23.07.2019</a:t>
+              <a:t>26.07.2019</a:t>
             </a:fld>
             <a:endParaRPr lang="tr-TR"/>
           </a:p>
@@ -7327,7 +7327,7 @@
           <p:nvPr>
             <p:extLst>
               <p:ext uri="{D42A27DB-BD31-4B8C-83A1-F6EECF244321}">
-                <p14:modId xmlns:p14="http://schemas.microsoft.com/office/powerpoint/2010/main" val="2130679386"/>
+                <p14:modId xmlns:p14="http://schemas.microsoft.com/office/powerpoint/2010/main" val="4003769993"/>
               </p:ext>
             </p:extLst>
           </p:nvPr>
@@ -7510,27 +7510,17 @@
                         </a:spcAft>
                       </a:pPr>
                       <a:r>
-                        <a:rPr lang="tr-TR" sz="2000" dirty="0">
+                        <a:rPr lang="tr-TR" sz="2000" kern="1200" dirty="0">
                           <a:solidFill>
-                            <a:schemeClr val="bg1">
-                              <a:lumMod val="75000"/>
-                            </a:schemeClr>
+                            <a:schemeClr val="tx1"/>
                           </a:solidFill>
                           <a:effectLst/>
+                          <a:latin typeface="+mn-lt"/>
+                          <a:ea typeface="+mn-ea"/>
+                          <a:cs typeface="+mn-cs"/>
                         </a:rPr>
                         <a:t>1.</a:t>
                       </a:r>
-                      <a:endParaRPr lang="tr-TR" sz="2000" dirty="0">
-                        <a:solidFill>
-                          <a:schemeClr val="bg1">
-                            <a:lumMod val="75000"/>
-                          </a:schemeClr>
-                        </a:solidFill>
-                        <a:effectLst/>
-                        <a:latin typeface="Calibri" panose="020F0502020204030204" pitchFamily="34" charset="0"/>
-                        <a:ea typeface="Calibri" panose="020F0502020204030204" pitchFamily="34" charset="0"/>
-                        <a:cs typeface="Times New Roman" panose="02020603050405020304" pitchFamily="18" charset="0"/>
-                      </a:endParaRPr>
                     </a:p>
                   </a:txBody>
                   <a:tcPr marL="68580" marR="68580" marT="0" marB="0" anchor="ctr"/>
@@ -7549,27 +7539,17 @@
                         </a:spcAft>
                       </a:pPr>
                       <a:r>
-                        <a:rPr lang="tr-TR" sz="2000" dirty="0">
+                        <a:rPr lang="tr-TR" sz="2000" kern="1200" dirty="0">
                           <a:solidFill>
-                            <a:schemeClr val="bg1">
-                              <a:lumMod val="75000"/>
-                            </a:schemeClr>
+                            <a:schemeClr val="tx1"/>
                           </a:solidFill>
                           <a:effectLst/>
+                          <a:latin typeface="+mn-lt"/>
+                          <a:ea typeface="+mn-ea"/>
+                          <a:cs typeface="+mn-cs"/>
                         </a:rPr>
                         <a:t>Python Temel</a:t>
                       </a:r>
-                      <a:endParaRPr lang="tr-TR" sz="2000" dirty="0">
-                        <a:solidFill>
-                          <a:schemeClr val="bg1">
-                            <a:lumMod val="75000"/>
-                          </a:schemeClr>
-                        </a:solidFill>
-                        <a:effectLst/>
-                        <a:latin typeface="Calibri" panose="020F0502020204030204" pitchFamily="34" charset="0"/>
-                        <a:ea typeface="Calibri" panose="020F0502020204030204" pitchFamily="34" charset="0"/>
-                        <a:cs typeface="Times New Roman" panose="02020603050405020304" pitchFamily="18" charset="0"/>
-                      </a:endParaRPr>
                     </a:p>
                   </a:txBody>
                   <a:tcPr marL="68580" marR="68580" marT="0" marB="0" anchor="ctr"/>
@@ -7588,27 +7568,17 @@
                         </a:spcAft>
                       </a:pPr>
                       <a:r>
-                        <a:rPr lang="tr-TR" sz="2000" dirty="0">
+                        <a:rPr lang="tr-TR" sz="2000" kern="1200" dirty="0">
                           <a:solidFill>
-                            <a:schemeClr val="bg1">
-                              <a:lumMod val="75000"/>
-                            </a:schemeClr>
+                            <a:schemeClr val="tx1"/>
                           </a:solidFill>
                           <a:effectLst/>
+                          <a:latin typeface="+mn-lt"/>
+                          <a:ea typeface="+mn-ea"/>
+                          <a:cs typeface="+mn-cs"/>
                         </a:rPr>
                         <a:t>1 GÜN</a:t>
                       </a:r>
-                      <a:endParaRPr lang="tr-TR" sz="2000" dirty="0">
-                        <a:solidFill>
-                          <a:schemeClr val="bg1">
-                            <a:lumMod val="75000"/>
-                          </a:schemeClr>
-                        </a:solidFill>
-                        <a:effectLst/>
-                        <a:latin typeface="Calibri" panose="020F0502020204030204" pitchFamily="34" charset="0"/>
-                        <a:ea typeface="Calibri" panose="020F0502020204030204" pitchFamily="34" charset="0"/>
-                        <a:cs typeface="Times New Roman" panose="02020603050405020304" pitchFamily="18" charset="0"/>
-                      </a:endParaRPr>
                     </a:p>
                   </a:txBody>
                   <a:tcPr marL="68580" marR="68580" marT="0" marB="0" anchor="ctr"/>
@@ -7627,27 +7597,17 @@
                         </a:spcAft>
                       </a:pPr>
                       <a:r>
-                        <a:rPr lang="tr-TR" sz="2000">
+                        <a:rPr lang="tr-TR" sz="2000" kern="1200" dirty="0">
                           <a:solidFill>
-                            <a:schemeClr val="bg1">
-                              <a:lumMod val="75000"/>
-                            </a:schemeClr>
+                            <a:schemeClr val="tx1"/>
                           </a:solidFill>
                           <a:effectLst/>
-                        </a:rPr>
-                        <a:t>15-16 Mayıs 2019</a:t>
-                      </a:r>
-                      <a:endParaRPr lang="tr-TR" sz="2000">
-                        <a:solidFill>
-                          <a:schemeClr val="bg1">
-                            <a:lumMod val="75000"/>
-                          </a:schemeClr>
-                        </a:solidFill>
-                        <a:effectLst/>
-                        <a:latin typeface="Calibri" panose="020F0502020204030204" pitchFamily="34" charset="0"/>
-                        <a:ea typeface="Calibri" panose="020F0502020204030204" pitchFamily="34" charset="0"/>
-                        <a:cs typeface="Times New Roman" panose="02020603050405020304" pitchFamily="18" charset="0"/>
-                      </a:endParaRPr>
+                          <a:latin typeface="+mn-lt"/>
+                          <a:ea typeface="+mn-ea"/>
+                          <a:cs typeface="+mn-cs"/>
+                        </a:rPr>
+                        <a:t>15 Mayıs 2019</a:t>
+                      </a:r>
                     </a:p>
                   </a:txBody>
                   <a:tcPr marL="68580" marR="68580" marT="0" marB="0" anchor="ctr"/>
@@ -7673,27 +7633,17 @@
                         </a:spcAft>
                       </a:pPr>
                       <a:r>
-                        <a:rPr lang="tr-TR" sz="2000">
+                        <a:rPr lang="tr-TR" sz="2000" kern="1200">
                           <a:solidFill>
-                            <a:schemeClr val="bg1">
-                              <a:lumMod val="75000"/>
-                            </a:schemeClr>
+                            <a:schemeClr val="tx1"/>
                           </a:solidFill>
                           <a:effectLst/>
+                          <a:latin typeface="+mn-lt"/>
+                          <a:ea typeface="+mn-ea"/>
+                          <a:cs typeface="+mn-cs"/>
                         </a:rPr>
                         <a:t>2.</a:t>
                       </a:r>
-                      <a:endParaRPr lang="tr-TR" sz="2000">
-                        <a:solidFill>
-                          <a:schemeClr val="bg1">
-                            <a:lumMod val="75000"/>
-                          </a:schemeClr>
-                        </a:solidFill>
-                        <a:effectLst/>
-                        <a:latin typeface="Calibri" panose="020F0502020204030204" pitchFamily="34" charset="0"/>
-                        <a:ea typeface="Calibri" panose="020F0502020204030204" pitchFamily="34" charset="0"/>
-                        <a:cs typeface="Times New Roman" panose="02020603050405020304" pitchFamily="18" charset="0"/>
-                      </a:endParaRPr>
                     </a:p>
                   </a:txBody>
                   <a:tcPr marL="68580" marR="68580" marT="0" marB="0" anchor="ctr"/>
@@ -7712,34 +7662,37 @@
                         </a:spcAft>
                       </a:pPr>
                       <a:r>
-                        <a:rPr lang="tr-TR" sz="2000" dirty="0">
+                        <a:rPr lang="tr-TR" sz="2000" kern="1200" dirty="0">
                           <a:solidFill>
-                            <a:schemeClr val="bg1">
-                              <a:lumMod val="75000"/>
-                            </a:schemeClr>
+                            <a:schemeClr val="tx1"/>
                           </a:solidFill>
                           <a:effectLst/>
+                          <a:latin typeface="+mn-lt"/>
+                          <a:ea typeface="+mn-ea"/>
+                          <a:cs typeface="+mn-cs"/>
                         </a:rPr>
                         <a:t>Data Analysis (Veri Analizi) </a:t>
                       </a:r>
                       <a:r>
-                        <a:rPr lang="tr-TR" sz="2000" dirty="0" err="1">
+                        <a:rPr lang="tr-TR" sz="2000" kern="1200" dirty="0" err="1">
                           <a:solidFill>
-                            <a:schemeClr val="bg1">
-                              <a:lumMod val="75000"/>
-                            </a:schemeClr>
+                            <a:schemeClr val="tx1"/>
                           </a:solidFill>
                           <a:effectLst/>
+                          <a:latin typeface="+mn-lt"/>
+                          <a:ea typeface="+mn-ea"/>
+                          <a:cs typeface="+mn-cs"/>
                         </a:rPr>
                         <a:t>Pandas</a:t>
                       </a:r>
-                      <a:endParaRPr lang="tr-TR" sz="2000" dirty="0">
+                      <a:endParaRPr lang="tr-TR" sz="2000" kern="1200" dirty="0">
                         <a:solidFill>
-                          <a:schemeClr val="bg1">
-                            <a:lumMod val="75000"/>
-                          </a:schemeClr>
+                          <a:schemeClr val="tx1"/>
                         </a:solidFill>
                         <a:effectLst/>
+                        <a:latin typeface="+mn-lt"/>
+                        <a:ea typeface="+mn-ea"/>
+                        <a:cs typeface="+mn-cs"/>
                       </a:endParaRPr>
                     </a:p>
                   </a:txBody>
@@ -7759,27 +7712,17 @@
                         </a:spcAft>
                       </a:pPr>
                       <a:r>
-                        <a:rPr lang="tr-TR" sz="2000" dirty="0">
+                        <a:rPr lang="tr-TR" sz="2000" kern="1200" dirty="0">
                           <a:solidFill>
-                            <a:schemeClr val="bg1">
-                              <a:lumMod val="75000"/>
-                            </a:schemeClr>
+                            <a:schemeClr val="tx1"/>
                           </a:solidFill>
                           <a:effectLst/>
+                          <a:latin typeface="+mn-lt"/>
+                          <a:ea typeface="+mn-ea"/>
+                          <a:cs typeface="+mn-cs"/>
                         </a:rPr>
                         <a:t>1 GÜN</a:t>
                       </a:r>
-                      <a:endParaRPr lang="tr-TR" sz="2000" dirty="0">
-                        <a:solidFill>
-                          <a:schemeClr val="bg1">
-                            <a:lumMod val="75000"/>
-                          </a:schemeClr>
-                        </a:solidFill>
-                        <a:effectLst/>
-                        <a:latin typeface="Calibri" panose="020F0502020204030204" pitchFamily="34" charset="0"/>
-                        <a:ea typeface="Calibri" panose="020F0502020204030204" pitchFamily="34" charset="0"/>
-                        <a:cs typeface="Times New Roman" panose="02020603050405020304" pitchFamily="18" charset="0"/>
-                      </a:endParaRPr>
                     </a:p>
                   </a:txBody>
                   <a:tcPr marL="68580" marR="68580" marT="0" marB="0" anchor="ctr"/>
@@ -7798,27 +7741,17 @@
                         </a:spcAft>
                       </a:pPr>
                       <a:r>
-                        <a:rPr lang="tr-TR" sz="2000">
+                        <a:rPr lang="tr-TR" sz="2000" kern="1200" dirty="0">
                           <a:solidFill>
-                            <a:schemeClr val="bg1">
-                              <a:lumMod val="75000"/>
-                            </a:schemeClr>
+                            <a:schemeClr val="tx1"/>
                           </a:solidFill>
                           <a:effectLst/>
-                        </a:rPr>
-                        <a:t>15-16 Mayıs 2019</a:t>
-                      </a:r>
-                      <a:endParaRPr lang="tr-TR" sz="2000">
-                        <a:solidFill>
-                          <a:schemeClr val="bg1">
-                            <a:lumMod val="75000"/>
-                          </a:schemeClr>
-                        </a:solidFill>
-                        <a:effectLst/>
-                        <a:latin typeface="Calibri" panose="020F0502020204030204" pitchFamily="34" charset="0"/>
-                        <a:ea typeface="Calibri" panose="020F0502020204030204" pitchFamily="34" charset="0"/>
-                        <a:cs typeface="Times New Roman" panose="02020603050405020304" pitchFamily="18" charset="0"/>
-                      </a:endParaRPr>
+                          <a:latin typeface="+mn-lt"/>
+                          <a:ea typeface="+mn-ea"/>
+                          <a:cs typeface="+mn-cs"/>
+                        </a:rPr>
+                        <a:t>16 Mayıs 2019</a:t>
+                      </a:r>
                     </a:p>
                   </a:txBody>
                   <a:tcPr marL="68580" marR="68580" marT="0" marB="0" anchor="ctr"/>
@@ -7844,27 +7777,17 @@
                         </a:spcAft>
                       </a:pPr>
                       <a:r>
-                        <a:rPr lang="tr-TR" sz="2000">
+                        <a:rPr lang="tr-TR" sz="2000" kern="1200">
                           <a:solidFill>
-                            <a:schemeClr val="bg1">
-                              <a:lumMod val="75000"/>
-                            </a:schemeClr>
+                            <a:schemeClr val="tx1"/>
                           </a:solidFill>
                           <a:effectLst/>
+                          <a:latin typeface="+mn-lt"/>
+                          <a:ea typeface="+mn-ea"/>
+                          <a:cs typeface="+mn-cs"/>
                         </a:rPr>
                         <a:t>3.</a:t>
                       </a:r>
-                      <a:endParaRPr lang="tr-TR" sz="2000">
-                        <a:solidFill>
-                          <a:schemeClr val="bg1">
-                            <a:lumMod val="75000"/>
-                          </a:schemeClr>
-                        </a:solidFill>
-                        <a:effectLst/>
-                        <a:latin typeface="Calibri" panose="020F0502020204030204" pitchFamily="34" charset="0"/>
-                        <a:ea typeface="Calibri" panose="020F0502020204030204" pitchFamily="34" charset="0"/>
-                        <a:cs typeface="Times New Roman" panose="02020603050405020304" pitchFamily="18" charset="0"/>
-                      </a:endParaRPr>
                     </a:p>
                   </a:txBody>
                   <a:tcPr marL="68580" marR="68580" marT="0" marB="0" anchor="ctr"/>
@@ -7883,100 +7806,109 @@
                         </a:spcAft>
                       </a:pPr>
                       <a:r>
-                        <a:rPr lang="tr-TR" sz="2000" dirty="0">
+                        <a:rPr lang="tr-TR" sz="2000" kern="1200" dirty="0">
                           <a:solidFill>
-                            <a:schemeClr val="bg1">
-                              <a:lumMod val="75000"/>
-                            </a:schemeClr>
+                            <a:schemeClr val="tx1"/>
                           </a:solidFill>
                           <a:effectLst/>
+                          <a:latin typeface="+mn-lt"/>
+                          <a:ea typeface="+mn-ea"/>
+                          <a:cs typeface="+mn-cs"/>
                         </a:rPr>
                         <a:t>Data Analysis </a:t>
                       </a:r>
                       <a:r>
-                        <a:rPr lang="tr-TR" sz="2000" dirty="0" err="1">
+                        <a:rPr lang="tr-TR" sz="2000" kern="1200" dirty="0" err="1">
                           <a:solidFill>
-                            <a:schemeClr val="bg1">
-                              <a:lumMod val="75000"/>
-                            </a:schemeClr>
+                            <a:schemeClr val="tx1"/>
                           </a:solidFill>
                           <a:effectLst/>
+                          <a:latin typeface="+mn-lt"/>
+                          <a:ea typeface="+mn-ea"/>
+                          <a:cs typeface="+mn-cs"/>
                         </a:rPr>
                         <a:t>and</a:t>
                       </a:r>
                       <a:r>
-                        <a:rPr lang="tr-TR" sz="2000" dirty="0">
+                        <a:rPr lang="tr-TR" sz="2000" kern="1200" dirty="0">
                           <a:solidFill>
-                            <a:schemeClr val="bg1">
-                              <a:lumMod val="75000"/>
-                            </a:schemeClr>
+                            <a:schemeClr val="tx1"/>
                           </a:solidFill>
                           <a:effectLst/>
+                          <a:latin typeface="+mn-lt"/>
+                          <a:ea typeface="+mn-ea"/>
+                          <a:cs typeface="+mn-cs"/>
                         </a:rPr>
                         <a:t> </a:t>
                       </a:r>
                       <a:r>
-                        <a:rPr lang="tr-TR" sz="2000" dirty="0" err="1">
+                        <a:rPr lang="tr-TR" sz="2000" kern="1200" dirty="0" err="1">
                           <a:solidFill>
-                            <a:schemeClr val="bg1">
-                              <a:lumMod val="75000"/>
-                            </a:schemeClr>
+                            <a:schemeClr val="tx1"/>
                           </a:solidFill>
                           <a:effectLst/>
+                          <a:latin typeface="+mn-lt"/>
+                          <a:ea typeface="+mn-ea"/>
+                          <a:cs typeface="+mn-cs"/>
                         </a:rPr>
                         <a:t>Visualization</a:t>
                       </a:r>
                       <a:r>
-                        <a:rPr lang="tr-TR" sz="2000" dirty="0">
+                        <a:rPr lang="tr-TR" sz="2000" kern="1200" dirty="0">
                           <a:solidFill>
-                            <a:schemeClr val="bg1">
-                              <a:lumMod val="75000"/>
-                            </a:schemeClr>
+                            <a:schemeClr val="tx1"/>
                           </a:solidFill>
                           <a:effectLst/>
+                          <a:latin typeface="+mn-lt"/>
+                          <a:ea typeface="+mn-ea"/>
+                          <a:cs typeface="+mn-cs"/>
                         </a:rPr>
                         <a:t> (Veri Analizi ve Görselleştirme) </a:t>
                       </a:r>
                       <a:r>
-                        <a:rPr lang="tr-TR" sz="2000" dirty="0" err="1">
+                        <a:rPr lang="tr-TR" sz="2000" kern="1200" dirty="0" err="1">
                           <a:solidFill>
-                            <a:schemeClr val="bg1">
-                              <a:lumMod val="75000"/>
-                            </a:schemeClr>
+                            <a:schemeClr val="tx1"/>
                           </a:solidFill>
                           <a:effectLst/>
+                          <a:latin typeface="+mn-lt"/>
+                          <a:ea typeface="+mn-ea"/>
+                          <a:cs typeface="+mn-cs"/>
                         </a:rPr>
                         <a:t>Pandas</a:t>
                       </a:r>
                       <a:r>
-                        <a:rPr lang="tr-TR" sz="2000" dirty="0">
+                        <a:rPr lang="tr-TR" sz="2000" kern="1200" dirty="0">
                           <a:solidFill>
-                            <a:schemeClr val="bg1">
-                              <a:lumMod val="75000"/>
-                            </a:schemeClr>
+                            <a:schemeClr val="tx1"/>
                           </a:solidFill>
                           <a:effectLst/>
+                          <a:latin typeface="+mn-lt"/>
+                          <a:ea typeface="+mn-ea"/>
+                          <a:cs typeface="+mn-cs"/>
                         </a:rPr>
                         <a:t> - </a:t>
                       </a:r>
                       <a:r>
-                        <a:rPr lang="tr-TR" sz="2000" dirty="0" err="1">
+                        <a:rPr lang="tr-TR" sz="2000" kern="1200" dirty="0" err="1">
                           <a:solidFill>
-                            <a:schemeClr val="bg1">
-                              <a:lumMod val="75000"/>
-                            </a:schemeClr>
+                            <a:schemeClr val="tx1"/>
                           </a:solidFill>
                           <a:effectLst/>
+                          <a:latin typeface="+mn-lt"/>
+                          <a:ea typeface="+mn-ea"/>
+                          <a:cs typeface="+mn-cs"/>
                         </a:rPr>
                         <a:t>Matplotlib</a:t>
                       </a:r>
-                      <a:endParaRPr lang="tr-TR" sz="2000" dirty="0">
+                      <a:endParaRPr lang="tr-TR" sz="2000" kern="1200" dirty="0">
                         <a:solidFill>
-                          <a:schemeClr val="bg1">
-                            <a:lumMod val="75000"/>
-                          </a:schemeClr>
+                          <a:schemeClr val="tx1"/>
                         </a:solidFill>
                         <a:effectLst/>
+                        <a:latin typeface="+mn-lt"/>
+                        <a:ea typeface="+mn-ea"/>
+                        <a:cs typeface="+mn-cs"/>
                       </a:endParaRPr>
                     </a:p>
                   </a:txBody>
@@ -7996,27 +7928,17 @@
                         </a:spcAft>
                       </a:pPr>
                       <a:r>
-                        <a:rPr lang="tr-TR" sz="2000">
+                        <a:rPr lang="tr-TR" sz="2000" kern="1200">
                           <a:solidFill>
-                            <a:schemeClr val="bg1">
-                              <a:lumMod val="75000"/>
-                            </a:schemeClr>
+                            <a:schemeClr val="tx1"/>
                           </a:solidFill>
                           <a:effectLst/>
+                          <a:latin typeface="+mn-lt"/>
+                          <a:ea typeface="+mn-ea"/>
+                          <a:cs typeface="+mn-cs"/>
                         </a:rPr>
                         <a:t>1 GÜN</a:t>
                       </a:r>
-                      <a:endParaRPr lang="tr-TR" sz="2000">
-                        <a:solidFill>
-                          <a:schemeClr val="bg1">
-                            <a:lumMod val="75000"/>
-                          </a:schemeClr>
-                        </a:solidFill>
-                        <a:effectLst/>
-                        <a:latin typeface="Calibri" panose="020F0502020204030204" pitchFamily="34" charset="0"/>
-                        <a:ea typeface="Calibri" panose="020F0502020204030204" pitchFamily="34" charset="0"/>
-                        <a:cs typeface="Times New Roman" panose="02020603050405020304" pitchFamily="18" charset="0"/>
-                      </a:endParaRPr>
                     </a:p>
                   </a:txBody>
                   <a:tcPr marL="68580" marR="68580" marT="0" marB="0" anchor="ctr"/>
@@ -8035,27 +7957,17 @@
                         </a:spcAft>
                       </a:pPr>
                       <a:r>
-                        <a:rPr lang="tr-TR" sz="2000">
+                        <a:rPr lang="tr-TR" sz="2000" kern="1200" dirty="0">
                           <a:solidFill>
-                            <a:schemeClr val="bg1">
-                              <a:lumMod val="75000"/>
-                            </a:schemeClr>
+                            <a:schemeClr val="tx1"/>
                           </a:solidFill>
                           <a:effectLst/>
-                        </a:rPr>
-                        <a:t>22-24 Mayıs 2019</a:t>
-                      </a:r>
-                      <a:endParaRPr lang="tr-TR" sz="2000">
-                        <a:solidFill>
-                          <a:schemeClr val="bg1">
-                            <a:lumMod val="75000"/>
-                          </a:schemeClr>
-                        </a:solidFill>
-                        <a:effectLst/>
-                        <a:latin typeface="Calibri" panose="020F0502020204030204" pitchFamily="34" charset="0"/>
-                        <a:ea typeface="Calibri" panose="020F0502020204030204" pitchFamily="34" charset="0"/>
-                        <a:cs typeface="Times New Roman" panose="02020603050405020304" pitchFamily="18" charset="0"/>
-                      </a:endParaRPr>
+                          <a:latin typeface="+mn-lt"/>
+                          <a:ea typeface="+mn-ea"/>
+                          <a:cs typeface="+mn-cs"/>
+                        </a:rPr>
+                        <a:t>22 Mayıs 2019</a:t>
+                      </a:r>
                     </a:p>
                   </a:txBody>
                   <a:tcPr marL="68580" marR="68580" marT="0" marB="0" anchor="ctr"/>
@@ -8081,27 +7993,17 @@
                         </a:spcAft>
                       </a:pPr>
                       <a:r>
-                        <a:rPr lang="tr-TR" sz="2000">
+                        <a:rPr lang="tr-TR" sz="2000" kern="1200">
                           <a:solidFill>
-                            <a:schemeClr val="bg1">
-                              <a:lumMod val="75000"/>
-                            </a:schemeClr>
+                            <a:schemeClr val="tx1"/>
                           </a:solidFill>
                           <a:effectLst/>
+                          <a:latin typeface="+mn-lt"/>
+                          <a:ea typeface="+mn-ea"/>
+                          <a:cs typeface="+mn-cs"/>
                         </a:rPr>
                         <a:t>4.</a:t>
                       </a:r>
-                      <a:endParaRPr lang="tr-TR" sz="2000">
-                        <a:solidFill>
-                          <a:schemeClr val="bg1">
-                            <a:lumMod val="75000"/>
-                          </a:schemeClr>
-                        </a:solidFill>
-                        <a:effectLst/>
-                        <a:latin typeface="Calibri" panose="020F0502020204030204" pitchFamily="34" charset="0"/>
-                        <a:ea typeface="Calibri" panose="020F0502020204030204" pitchFamily="34" charset="0"/>
-                        <a:cs typeface="Times New Roman" panose="02020603050405020304" pitchFamily="18" charset="0"/>
-                      </a:endParaRPr>
                     </a:p>
                   </a:txBody>
                   <a:tcPr marL="68580" marR="68580" marT="0" marB="0" anchor="ctr"/>
@@ -8129,49 +8031,41 @@
                         <a:defRPr/>
                       </a:pPr>
                       <a:r>
-                        <a:rPr lang="tr-TR" sz="2000" dirty="0">
+                        <a:rPr lang="tr-TR" sz="2000" kern="1200" dirty="0">
                           <a:solidFill>
-                            <a:schemeClr val="bg1">
-                              <a:lumMod val="75000"/>
-                            </a:schemeClr>
+                            <a:schemeClr val="tx1"/>
                           </a:solidFill>
                           <a:effectLst/>
+                          <a:latin typeface="+mn-lt"/>
+                          <a:ea typeface="+mn-ea"/>
+                          <a:cs typeface="+mn-cs"/>
                         </a:rPr>
                         <a:t>Data </a:t>
                       </a:r>
                       <a:r>
-                        <a:rPr lang="tr-TR" sz="2000" dirty="0" err="1">
+                        <a:rPr lang="tr-TR" sz="2000" kern="1200" dirty="0" err="1">
                           <a:solidFill>
-                            <a:schemeClr val="bg1">
-                              <a:lumMod val="75000"/>
-                            </a:schemeClr>
+                            <a:schemeClr val="tx1"/>
                           </a:solidFill>
                           <a:effectLst/>
+                          <a:latin typeface="+mn-lt"/>
+                          <a:ea typeface="+mn-ea"/>
+                          <a:cs typeface="+mn-cs"/>
                         </a:rPr>
                         <a:t>Preprocessing</a:t>
                       </a:r>
                       <a:r>
-                        <a:rPr lang="tr-TR" sz="2000" dirty="0">
+                        <a:rPr lang="tr-TR" sz="2000" kern="1200" dirty="0">
                           <a:solidFill>
-                            <a:schemeClr val="bg1">
-                              <a:lumMod val="75000"/>
-                            </a:schemeClr>
+                            <a:schemeClr val="tx1"/>
                           </a:solidFill>
                           <a:effectLst/>
+                          <a:latin typeface="+mn-lt"/>
+                          <a:ea typeface="+mn-ea"/>
+                          <a:cs typeface="+mn-cs"/>
                         </a:rPr>
                         <a:t> (Veri Ön İşleme)</a:t>
                       </a:r>
-                      <a:endParaRPr lang="tr-TR" sz="2000" dirty="0">
-                        <a:solidFill>
-                          <a:schemeClr val="bg1">
-                            <a:lumMod val="75000"/>
-                          </a:schemeClr>
-                        </a:solidFill>
-                        <a:effectLst/>
-                        <a:latin typeface="Calibri" panose="020F0502020204030204" pitchFamily="34" charset="0"/>
-                        <a:ea typeface="Calibri" panose="020F0502020204030204" pitchFamily="34" charset="0"/>
-                        <a:cs typeface="Times New Roman" panose="02020603050405020304" pitchFamily="18" charset="0"/>
-                      </a:endParaRPr>
                     </a:p>
                     <a:p>
                       <a:pPr>
@@ -8183,35 +8077,38 @@
                         </a:spcAft>
                       </a:pPr>
                       <a:r>
-                        <a:rPr lang="tr-TR" sz="2000" dirty="0">
+                        <a:rPr lang="tr-TR" sz="2000" kern="1200" dirty="0">
                           <a:solidFill>
-                            <a:schemeClr val="bg1">
-                              <a:lumMod val="75000"/>
-                            </a:schemeClr>
+                            <a:schemeClr val="tx1"/>
                           </a:solidFill>
                           <a:effectLst/>
+                          <a:latin typeface="+mn-lt"/>
+                          <a:ea typeface="+mn-ea"/>
+                          <a:cs typeface="+mn-cs"/>
                         </a:rPr>
                         <a:t>Data </a:t>
                       </a:r>
                       <a:r>
-                        <a:rPr lang="tr-TR" sz="2000" dirty="0" err="1">
+                        <a:rPr lang="tr-TR" sz="2000" kern="1200" dirty="0" err="1">
                           <a:solidFill>
-                            <a:schemeClr val="bg1">
-                              <a:lumMod val="75000"/>
-                            </a:schemeClr>
+                            <a:schemeClr val="tx1"/>
                           </a:solidFill>
                           <a:effectLst/>
+                          <a:latin typeface="+mn-lt"/>
+                          <a:ea typeface="+mn-ea"/>
+                          <a:cs typeface="+mn-cs"/>
                         </a:rPr>
                         <a:t>Cleaning</a:t>
                       </a:r>
                       <a:r>
-                        <a:rPr lang="tr-TR" sz="2000" dirty="0">
+                        <a:rPr lang="tr-TR" sz="2000" kern="1200" dirty="0">
                           <a:solidFill>
-                            <a:schemeClr val="bg1">
-                              <a:lumMod val="75000"/>
-                            </a:schemeClr>
+                            <a:schemeClr val="tx1"/>
                           </a:solidFill>
                           <a:effectLst/>
+                          <a:latin typeface="+mn-lt"/>
+                          <a:ea typeface="+mn-ea"/>
+                          <a:cs typeface="+mn-cs"/>
                         </a:rPr>
                         <a:t> (Veri Temizleme)</a:t>
                       </a:r>
@@ -8235,115 +8132,113 @@
                         <a:defRPr/>
                       </a:pPr>
                       <a:r>
-                        <a:rPr lang="tr-TR" sz="2000" dirty="0">
+                        <a:rPr lang="tr-TR" sz="2000" kern="1200" dirty="0">
                           <a:solidFill>
-                            <a:schemeClr val="bg1">
-                              <a:lumMod val="75000"/>
-                            </a:schemeClr>
+                            <a:schemeClr val="tx1"/>
                           </a:solidFill>
                           <a:effectLst/>
+                          <a:latin typeface="+mn-lt"/>
+                          <a:ea typeface="+mn-ea"/>
+                          <a:cs typeface="+mn-cs"/>
                         </a:rPr>
                         <a:t>ETL (</a:t>
                       </a:r>
                       <a:r>
-                        <a:rPr lang="tr-TR" sz="2000" dirty="0" err="1">
+                        <a:rPr lang="tr-TR" sz="2000" kern="1200" dirty="0" err="1">
                           <a:solidFill>
-                            <a:schemeClr val="bg1">
-                              <a:lumMod val="75000"/>
-                            </a:schemeClr>
+                            <a:schemeClr val="tx1"/>
                           </a:solidFill>
                           <a:effectLst/>
+                          <a:latin typeface="+mn-lt"/>
+                          <a:ea typeface="+mn-ea"/>
+                          <a:cs typeface="+mn-cs"/>
                         </a:rPr>
                         <a:t>Extract</a:t>
                       </a:r>
                       <a:r>
-                        <a:rPr lang="tr-TR" sz="2000" dirty="0">
+                        <a:rPr lang="tr-TR" sz="2000" kern="1200" dirty="0">
                           <a:solidFill>
-                            <a:schemeClr val="bg1">
-                              <a:lumMod val="75000"/>
-                            </a:schemeClr>
+                            <a:schemeClr val="tx1"/>
                           </a:solidFill>
                           <a:effectLst/>
+                          <a:latin typeface="+mn-lt"/>
+                          <a:ea typeface="+mn-ea"/>
+                          <a:cs typeface="+mn-cs"/>
                         </a:rPr>
                         <a:t>, </a:t>
                       </a:r>
                       <a:r>
-                        <a:rPr lang="tr-TR" sz="2000" dirty="0" err="1">
+                        <a:rPr lang="tr-TR" sz="2000" kern="1200" dirty="0" err="1">
                           <a:solidFill>
-                            <a:schemeClr val="bg1">
-                              <a:lumMod val="75000"/>
-                            </a:schemeClr>
+                            <a:schemeClr val="tx1"/>
                           </a:solidFill>
                           <a:effectLst/>
+                          <a:latin typeface="+mn-lt"/>
+                          <a:ea typeface="+mn-ea"/>
+                          <a:cs typeface="+mn-cs"/>
                         </a:rPr>
                         <a:t>Transform</a:t>
                       </a:r>
                       <a:r>
-                        <a:rPr lang="tr-TR" sz="2000" dirty="0">
+                        <a:rPr lang="tr-TR" sz="2000" kern="1200" dirty="0">
                           <a:solidFill>
-                            <a:schemeClr val="bg1">
-                              <a:lumMod val="75000"/>
-                            </a:schemeClr>
+                            <a:schemeClr val="tx1"/>
                           </a:solidFill>
                           <a:effectLst/>
+                          <a:latin typeface="+mn-lt"/>
+                          <a:ea typeface="+mn-ea"/>
+                          <a:cs typeface="+mn-cs"/>
                         </a:rPr>
                         <a:t> </a:t>
                       </a:r>
                       <a:r>
-                        <a:rPr lang="tr-TR" sz="2000" dirty="0" err="1">
+                        <a:rPr lang="tr-TR" sz="2000" kern="1200" dirty="0" err="1">
                           <a:solidFill>
-                            <a:schemeClr val="bg1">
-                              <a:lumMod val="75000"/>
-                            </a:schemeClr>
+                            <a:schemeClr val="tx1"/>
                           </a:solidFill>
                           <a:effectLst/>
+                          <a:latin typeface="+mn-lt"/>
+                          <a:ea typeface="+mn-ea"/>
+                          <a:cs typeface="+mn-cs"/>
                         </a:rPr>
                         <a:t>and</a:t>
                       </a:r>
                       <a:r>
-                        <a:rPr lang="tr-TR" sz="2000" dirty="0">
+                        <a:rPr lang="tr-TR" sz="2000" kern="1200" dirty="0">
                           <a:solidFill>
-                            <a:schemeClr val="bg1">
-                              <a:lumMod val="75000"/>
-                            </a:schemeClr>
+                            <a:schemeClr val="tx1"/>
                           </a:solidFill>
                           <a:effectLst/>
+                          <a:latin typeface="+mn-lt"/>
+                          <a:ea typeface="+mn-ea"/>
+                          <a:cs typeface="+mn-cs"/>
                         </a:rPr>
                         <a:t> </a:t>
                       </a:r>
                       <a:r>
-                        <a:rPr lang="tr-TR" sz="2000" dirty="0" err="1">
+                        <a:rPr lang="tr-TR" sz="2000" kern="1200" dirty="0" err="1">
                           <a:solidFill>
-                            <a:schemeClr val="bg1">
-                              <a:lumMod val="75000"/>
-                            </a:schemeClr>
+                            <a:schemeClr val="tx1"/>
                           </a:solidFill>
                           <a:effectLst/>
+                          <a:latin typeface="+mn-lt"/>
+                          <a:ea typeface="+mn-ea"/>
+                          <a:cs typeface="+mn-cs"/>
                         </a:rPr>
                         <a:t>Load</a:t>
                       </a:r>
                       <a:r>
-                        <a:rPr lang="tr-TR" sz="2000" dirty="0">
+                        <a:rPr lang="tr-TR" sz="2000" kern="1200" dirty="0">
                           <a:solidFill>
-                            <a:schemeClr val="bg1">
-                              <a:lumMod val="75000"/>
-                            </a:schemeClr>
+                            <a:schemeClr val="tx1"/>
                           </a:solidFill>
                           <a:effectLst/>
+                          <a:latin typeface="+mn-lt"/>
+                          <a:ea typeface="+mn-ea"/>
+                          <a:cs typeface="+mn-cs"/>
                         </a:rPr>
                         <a:t>)</a:t>
                       </a:r>
-                      <a:endParaRPr lang="tr-TR" sz="2000" dirty="0">
-                        <a:solidFill>
-                          <a:schemeClr val="bg1">
-                            <a:lumMod val="75000"/>
-                          </a:schemeClr>
-                        </a:solidFill>
-                        <a:effectLst/>
-                        <a:latin typeface="Calibri" panose="020F0502020204030204" pitchFamily="34" charset="0"/>
-                        <a:ea typeface="Calibri" panose="020F0502020204030204" pitchFamily="34" charset="0"/>
-                        <a:cs typeface="Times New Roman" panose="02020603050405020304" pitchFamily="18" charset="0"/>
-                      </a:endParaRPr>
                     </a:p>
                   </a:txBody>
                   <a:tcPr marL="68580" marR="68580" marT="0" marB="0" anchor="ctr"/>
@@ -8362,27 +8257,17 @@
                         </a:spcAft>
                       </a:pPr>
                       <a:r>
-                        <a:rPr lang="tr-TR" sz="2000" dirty="0">
+                        <a:rPr lang="tr-TR" sz="2000" kern="1200" dirty="0">
                           <a:solidFill>
-                            <a:schemeClr val="bg1">
-                              <a:lumMod val="75000"/>
-                            </a:schemeClr>
+                            <a:schemeClr val="tx1"/>
                           </a:solidFill>
                           <a:effectLst/>
+                          <a:latin typeface="+mn-lt"/>
+                          <a:ea typeface="+mn-ea"/>
+                          <a:cs typeface="+mn-cs"/>
                         </a:rPr>
                         <a:t>2 GÜN</a:t>
                       </a:r>
-                      <a:endParaRPr lang="tr-TR" sz="2000" dirty="0">
-                        <a:solidFill>
-                          <a:schemeClr val="bg1">
-                            <a:lumMod val="75000"/>
-                          </a:schemeClr>
-                        </a:solidFill>
-                        <a:effectLst/>
-                        <a:latin typeface="Calibri" panose="020F0502020204030204" pitchFamily="34" charset="0"/>
-                        <a:ea typeface="Calibri" panose="020F0502020204030204" pitchFamily="34" charset="0"/>
-                        <a:cs typeface="Times New Roman" panose="02020603050405020304" pitchFamily="18" charset="0"/>
-                      </a:endParaRPr>
                     </a:p>
                   </a:txBody>
                   <a:tcPr marL="68580" marR="68580" marT="0" marB="0" anchor="ctr"/>
@@ -8401,27 +8286,17 @@
                         </a:spcAft>
                       </a:pPr>
                       <a:r>
-                        <a:rPr lang="tr-TR" sz="2000" dirty="0">
+                        <a:rPr lang="tr-TR" sz="2000" kern="1200" dirty="0">
                           <a:solidFill>
-                            <a:schemeClr val="bg1">
-                              <a:lumMod val="75000"/>
-                            </a:schemeClr>
+                            <a:schemeClr val="tx1"/>
                           </a:solidFill>
                           <a:effectLst/>
-                        </a:rPr>
-                        <a:t>22-24 Mayıs 2019</a:t>
-                      </a:r>
-                      <a:endParaRPr lang="tr-TR" sz="2000" dirty="0">
-                        <a:solidFill>
-                          <a:schemeClr val="bg1">
-                            <a:lumMod val="75000"/>
-                          </a:schemeClr>
-                        </a:solidFill>
-                        <a:effectLst/>
-                        <a:latin typeface="Calibri" panose="020F0502020204030204" pitchFamily="34" charset="0"/>
-                        <a:ea typeface="Calibri" panose="020F0502020204030204" pitchFamily="34" charset="0"/>
-                        <a:cs typeface="Times New Roman" panose="02020603050405020304" pitchFamily="18" charset="0"/>
-                      </a:endParaRPr>
+                          <a:latin typeface="+mn-lt"/>
+                          <a:ea typeface="+mn-ea"/>
+                          <a:cs typeface="+mn-cs"/>
+                        </a:rPr>
+                        <a:t>23, 24 Mayıs 2019</a:t>
+                      </a:r>
                     </a:p>
                   </a:txBody>
                   <a:tcPr marL="68580" marR="68580" marT="0" marB="0" anchor="ctr"/>
@@ -8449,9 +8324,7 @@
                       <a:r>
                         <a:rPr lang="tr-TR" sz="2000" kern="1200" dirty="0">
                           <a:solidFill>
-                            <a:schemeClr val="bg1">
-                              <a:lumMod val="75000"/>
-                            </a:schemeClr>
+                            <a:schemeClr val="tx1"/>
                           </a:solidFill>
                           <a:effectLst/>
                           <a:latin typeface="+mn-lt"/>
@@ -8480,9 +8353,7 @@
                       <a:r>
                         <a:rPr lang="tr-TR" sz="2000" kern="1200" dirty="0">
                           <a:solidFill>
-                            <a:schemeClr val="bg1">
-                              <a:lumMod val="75000"/>
-                            </a:schemeClr>
+                            <a:schemeClr val="tx1"/>
                           </a:solidFill>
                           <a:effectLst/>
                           <a:latin typeface="+mn-lt"/>
@@ -8511,9 +8382,7 @@
                       <a:r>
                         <a:rPr lang="tr-TR" sz="2000" kern="1200" dirty="0">
                           <a:solidFill>
-                            <a:schemeClr val="bg1">
-                              <a:lumMod val="75000"/>
-                            </a:schemeClr>
+                            <a:schemeClr val="tx1"/>
                           </a:solidFill>
                           <a:effectLst/>
                           <a:latin typeface="+mn-lt"/>
@@ -8542,9 +8411,7 @@
                       <a:r>
                         <a:rPr lang="tr-TR" sz="2000" kern="1200" dirty="0">
                           <a:solidFill>
-                            <a:schemeClr val="bg1">
-                              <a:lumMod val="75000"/>
-                            </a:schemeClr>
+                            <a:schemeClr val="tx1"/>
                           </a:solidFill>
                           <a:effectLst/>
                           <a:latin typeface="+mn-lt"/>
@@ -8580,9 +8447,7 @@
                       <a:r>
                         <a:rPr lang="tr-TR" sz="2000" kern="1200" dirty="0">
                           <a:solidFill>
-                            <a:schemeClr val="bg1">
-                              <a:lumMod val="75000"/>
-                            </a:schemeClr>
+                            <a:schemeClr val="tx1"/>
                           </a:solidFill>
                           <a:effectLst/>
                           <a:latin typeface="+mn-lt"/>
@@ -8611,9 +8476,7 @@
                       <a:r>
                         <a:rPr lang="tr-TR" sz="2000" kern="1200" dirty="0" err="1">
                           <a:solidFill>
-                            <a:schemeClr val="bg1">
-                              <a:lumMod val="75000"/>
-                            </a:schemeClr>
+                            <a:schemeClr val="tx1"/>
                           </a:solidFill>
                           <a:effectLst/>
                           <a:latin typeface="+mn-lt"/>
@@ -8625,9 +8488,7 @@
                       <a:r>
                         <a:rPr lang="tr-TR" sz="2000" kern="1200" dirty="0">
                           <a:solidFill>
-                            <a:schemeClr val="bg1">
-                              <a:lumMod val="75000"/>
-                            </a:schemeClr>
+                            <a:schemeClr val="tx1"/>
                           </a:solidFill>
                           <a:effectLst/>
                           <a:latin typeface="+mn-lt"/>
@@ -8656,9 +8517,7 @@
                       <a:r>
                         <a:rPr lang="tr-TR" sz="2000" kern="1200" dirty="0">
                           <a:solidFill>
-                            <a:schemeClr val="bg1">
-                              <a:lumMod val="75000"/>
-                            </a:schemeClr>
+                            <a:schemeClr val="tx1"/>
                           </a:solidFill>
                           <a:effectLst/>
                           <a:latin typeface="+mn-lt"/>
@@ -8687,9 +8546,7 @@
                       <a:r>
                         <a:rPr lang="tr-TR" sz="2000" kern="1200" dirty="0">
                           <a:solidFill>
-                            <a:schemeClr val="bg1">
-                              <a:lumMod val="75000"/>
-                            </a:schemeClr>
+                            <a:schemeClr val="tx1"/>
                           </a:solidFill>
                           <a:effectLst/>
                           <a:latin typeface="+mn-lt"/>
@@ -8723,17 +8580,17 @@
                         </a:spcAft>
                       </a:pPr>
                       <a:r>
-                        <a:rPr lang="tr-TR" sz="2000">
-                          <a:effectLst/>
+                        <a:rPr lang="tr-TR" sz="2000" kern="1200">
+                          <a:solidFill>
+                            <a:schemeClr val="tx1"/>
+                          </a:solidFill>
+                          <a:effectLst/>
+                          <a:latin typeface="+mn-lt"/>
+                          <a:ea typeface="+mn-ea"/>
+                          <a:cs typeface="+mn-cs"/>
                         </a:rPr>
                         <a:t>7.</a:t>
                       </a:r>
-                      <a:endParaRPr lang="tr-TR" sz="2000">
-                        <a:effectLst/>
-                        <a:latin typeface="Calibri" panose="020F0502020204030204" pitchFamily="34" charset="0"/>
-                        <a:ea typeface="Calibri" panose="020F0502020204030204" pitchFamily="34" charset="0"/>
-                        <a:cs typeface="Times New Roman" panose="02020603050405020304" pitchFamily="18" charset="0"/>
-                      </a:endParaRPr>
                     </a:p>
                   </a:txBody>
                   <a:tcPr marL="68580" marR="68580" marT="0" marB="0" anchor="ctr"/>
@@ -8752,23 +8609,29 @@
                         </a:spcAft>
                       </a:pPr>
                       <a:r>
-                        <a:rPr lang="tr-TR" sz="2000" dirty="0" err="1">
-                          <a:effectLst/>
+                        <a:rPr lang="tr-TR" sz="2000" kern="1200" dirty="0" err="1">
+                          <a:solidFill>
+                            <a:schemeClr val="tx1"/>
+                          </a:solidFill>
+                          <a:effectLst/>
+                          <a:latin typeface="+mn-lt"/>
+                          <a:ea typeface="+mn-ea"/>
+                          <a:cs typeface="+mn-cs"/>
                         </a:rPr>
                         <a:t>Big</a:t>
                       </a:r>
                       <a:r>
-                        <a:rPr lang="tr-TR" sz="2000" dirty="0">
-                          <a:effectLst/>
+                        <a:rPr lang="tr-TR" sz="2000" kern="1200" dirty="0">
+                          <a:solidFill>
+                            <a:schemeClr val="tx1"/>
+                          </a:solidFill>
+                          <a:effectLst/>
+                          <a:latin typeface="+mn-lt"/>
+                          <a:ea typeface="+mn-ea"/>
+                          <a:cs typeface="+mn-cs"/>
                         </a:rPr>
                         <a:t> Data (Büyük Veri)</a:t>
                       </a:r>
-                      <a:endParaRPr lang="tr-TR" sz="2000" dirty="0">
-                        <a:effectLst/>
-                        <a:latin typeface="Calibri" panose="020F0502020204030204" pitchFamily="34" charset="0"/>
-                        <a:ea typeface="Calibri" panose="020F0502020204030204" pitchFamily="34" charset="0"/>
-                        <a:cs typeface="Times New Roman" panose="02020603050405020304" pitchFamily="18" charset="0"/>
-                      </a:endParaRPr>
                     </a:p>
                   </a:txBody>
                   <a:tcPr marL="68580" marR="68580" marT="0" marB="0" anchor="ctr"/>
@@ -8787,17 +8650,17 @@
                         </a:spcAft>
                       </a:pPr>
                       <a:r>
-                        <a:rPr lang="tr-TR" sz="2000">
-                          <a:effectLst/>
+                        <a:rPr lang="tr-TR" sz="2000" kern="1200">
+                          <a:solidFill>
+                            <a:schemeClr val="tx1"/>
+                          </a:solidFill>
+                          <a:effectLst/>
+                          <a:latin typeface="+mn-lt"/>
+                          <a:ea typeface="+mn-ea"/>
+                          <a:cs typeface="+mn-cs"/>
                         </a:rPr>
                         <a:t>3 GÜN</a:t>
                       </a:r>
-                      <a:endParaRPr lang="tr-TR" sz="2000">
-                        <a:effectLst/>
-                        <a:latin typeface="Calibri" panose="020F0502020204030204" pitchFamily="34" charset="0"/>
-                        <a:ea typeface="Calibri" panose="020F0502020204030204" pitchFamily="34" charset="0"/>
-                        <a:cs typeface="Times New Roman" panose="02020603050405020304" pitchFamily="18" charset="0"/>
-                      </a:endParaRPr>
                     </a:p>
                   </a:txBody>
                   <a:tcPr marL="68580" marR="68580" marT="0" marB="0" anchor="ctr"/>
@@ -8816,17 +8679,17 @@
                         </a:spcAft>
                       </a:pPr>
                       <a:r>
-                        <a:rPr lang="tr-TR" sz="2000" dirty="0">
-                          <a:effectLst/>
+                        <a:rPr lang="tr-TR" sz="2000" kern="1200" dirty="0">
+                          <a:solidFill>
+                            <a:schemeClr val="tx1"/>
+                          </a:solidFill>
+                          <a:effectLst/>
+                          <a:latin typeface="+mn-lt"/>
+                          <a:ea typeface="+mn-ea"/>
+                          <a:cs typeface="+mn-cs"/>
                         </a:rPr>
                         <a:t>23, 24, 25 Temmuz 2019</a:t>
                       </a:r>
-                      <a:endParaRPr lang="tr-TR" sz="2000" dirty="0">
-                        <a:effectLst/>
-                        <a:latin typeface="Calibri" panose="020F0502020204030204" pitchFamily="34" charset="0"/>
-                        <a:ea typeface="Calibri" panose="020F0502020204030204" pitchFamily="34" charset="0"/>
-                        <a:cs typeface="Times New Roman" panose="02020603050405020304" pitchFamily="18" charset="0"/>
-                      </a:endParaRPr>
                     </a:p>
                   </a:txBody>
                   <a:tcPr marL="68580" marR="68580" marT="0" marB="0" anchor="ctr"/>
@@ -8852,17 +8715,17 @@
                         </a:spcAft>
                       </a:pPr>
                       <a:r>
-                        <a:rPr lang="tr-TR" sz="2000">
-                          <a:effectLst/>
+                        <a:rPr lang="tr-TR" sz="2000" kern="1200">
+                          <a:solidFill>
+                            <a:schemeClr val="tx1"/>
+                          </a:solidFill>
+                          <a:effectLst/>
+                          <a:latin typeface="+mn-lt"/>
+                          <a:ea typeface="+mn-ea"/>
+                          <a:cs typeface="+mn-cs"/>
                         </a:rPr>
                         <a:t> </a:t>
                       </a:r>
-                      <a:endParaRPr lang="tr-TR" sz="2000">
-                        <a:effectLst/>
-                        <a:latin typeface="Calibri" panose="020F0502020204030204" pitchFamily="34" charset="0"/>
-                        <a:ea typeface="Calibri" panose="020F0502020204030204" pitchFamily="34" charset="0"/>
-                        <a:cs typeface="Times New Roman" panose="02020603050405020304" pitchFamily="18" charset="0"/>
-                      </a:endParaRPr>
                     </a:p>
                   </a:txBody>
                   <a:tcPr marL="68580" marR="68580" marT="0" marB="0" anchor="ctr"/>
@@ -8881,17 +8744,17 @@
                         </a:spcAft>
                       </a:pPr>
                       <a:r>
-                        <a:rPr lang="tr-TR" sz="2000">
-                          <a:effectLst/>
+                        <a:rPr lang="tr-TR" sz="2000" kern="1200">
+                          <a:solidFill>
+                            <a:schemeClr val="tx1"/>
+                          </a:solidFill>
+                          <a:effectLst/>
+                          <a:latin typeface="+mn-lt"/>
+                          <a:ea typeface="+mn-ea"/>
+                          <a:cs typeface="+mn-cs"/>
                         </a:rPr>
                         <a:t>TOPLAM</a:t>
                       </a:r>
-                      <a:endParaRPr lang="tr-TR" sz="2000">
-                        <a:effectLst/>
-                        <a:latin typeface="Calibri" panose="020F0502020204030204" pitchFamily="34" charset="0"/>
-                        <a:ea typeface="Calibri" panose="020F0502020204030204" pitchFamily="34" charset="0"/>
-                        <a:cs typeface="Times New Roman" panose="02020603050405020304" pitchFamily="18" charset="0"/>
-                      </a:endParaRPr>
                     </a:p>
                   </a:txBody>
                   <a:tcPr marL="68580" marR="68580" marT="0" marB="0" anchor="ctr"/>
@@ -8910,17 +8773,17 @@
                         </a:spcAft>
                       </a:pPr>
                       <a:r>
-                        <a:rPr lang="tr-TR" sz="2000">
-                          <a:effectLst/>
+                        <a:rPr lang="tr-TR" sz="2000" kern="1200">
+                          <a:solidFill>
+                            <a:schemeClr val="tx1"/>
+                          </a:solidFill>
+                          <a:effectLst/>
+                          <a:latin typeface="+mn-lt"/>
+                          <a:ea typeface="+mn-ea"/>
+                          <a:cs typeface="+mn-cs"/>
                         </a:rPr>
                         <a:t>12 GÜN</a:t>
                       </a:r>
-                      <a:endParaRPr lang="tr-TR" sz="2000">
-                        <a:effectLst/>
-                        <a:latin typeface="Calibri" panose="020F0502020204030204" pitchFamily="34" charset="0"/>
-                        <a:ea typeface="Calibri" panose="020F0502020204030204" pitchFamily="34" charset="0"/>
-                        <a:cs typeface="Times New Roman" panose="02020603050405020304" pitchFamily="18" charset="0"/>
-                      </a:endParaRPr>
                     </a:p>
                   </a:txBody>
                   <a:tcPr marL="68580" marR="68580" marT="0" marB="0" anchor="ctr"/>
@@ -8939,17 +8802,17 @@
                         </a:spcAft>
                       </a:pPr>
                       <a:r>
-                        <a:rPr lang="tr-TR" sz="2000" dirty="0">
-                          <a:effectLst/>
+                        <a:rPr lang="tr-TR" sz="2000" kern="1200" dirty="0">
+                          <a:solidFill>
+                            <a:schemeClr val="tx1"/>
+                          </a:solidFill>
+                          <a:effectLst/>
+                          <a:latin typeface="+mn-lt"/>
+                          <a:ea typeface="+mn-ea"/>
+                          <a:cs typeface="+mn-cs"/>
                         </a:rPr>
                         <a:t> </a:t>
                       </a:r>
-                      <a:endParaRPr lang="tr-TR" sz="2000" dirty="0">
-                        <a:effectLst/>
-                        <a:latin typeface="Calibri" panose="020F0502020204030204" pitchFamily="34" charset="0"/>
-                        <a:ea typeface="Calibri" panose="020F0502020204030204" pitchFamily="34" charset="0"/>
-                        <a:cs typeface="Times New Roman" panose="02020603050405020304" pitchFamily="18" charset="0"/>
-                      </a:endParaRPr>
                     </a:p>
                   </a:txBody>
                   <a:tcPr marL="68580" marR="68580" marT="0" marB="0" anchor="ctr"/>
